--- a/results/figures/pptx/reported_diagnoses.pptx
+++ b/results/figures/pptx/reported_diagnoses.pptx
@@ -2271,15 +2271,15 @@
           </p:nvSpPr>
           <p:spPr>
             <a:xfrm>
-              <a:off x="3927063" y="1603770"/>
-              <a:ext cx="0" cy="4350502"/>
+              <a:off x="3927063" y="1227560"/>
+              <a:ext cx="0" cy="4726713"/>
             </a:xfrm>
             <a:custGeom>
               <a:avLst/>
               <a:pathLst>
-                <a:path w="0" h="4350502">
+                <a:path w="0" h="4726713">
                   <a:moveTo>
-                    <a:pt x="0" y="4350502"/>
+                    <a:pt x="0" y="4726713"/>
                   </a:moveTo>
                   <a:lnTo>
                     <a:pt x="0" y="0"/>
@@ -2314,15 +2314,15 @@
           </p:nvSpPr>
           <p:spPr>
             <a:xfrm>
-              <a:off x="4370607" y="1603770"/>
-              <a:ext cx="0" cy="4350502"/>
+              <a:off x="4302369" y="1227560"/>
+              <a:ext cx="0" cy="4726713"/>
             </a:xfrm>
             <a:custGeom>
               <a:avLst/>
               <a:pathLst>
-                <a:path w="0" h="4350502">
+                <a:path w="0" h="4726713">
                   <a:moveTo>
-                    <a:pt x="0" y="4350502"/>
+                    <a:pt x="0" y="4726713"/>
                   </a:moveTo>
                   <a:lnTo>
                     <a:pt x="0" y="0"/>
@@ -2357,15 +2357,15 @@
           </p:nvSpPr>
           <p:spPr>
             <a:xfrm>
-              <a:off x="4814150" y="1603770"/>
-              <a:ext cx="0" cy="4350502"/>
+              <a:off x="4677675" y="1227560"/>
+              <a:ext cx="0" cy="4726713"/>
             </a:xfrm>
             <a:custGeom>
               <a:avLst/>
               <a:pathLst>
-                <a:path w="0" h="4350502">
+                <a:path w="0" h="4726713">
                   <a:moveTo>
-                    <a:pt x="0" y="4350502"/>
+                    <a:pt x="0" y="4726713"/>
                   </a:moveTo>
                   <a:lnTo>
                     <a:pt x="0" y="0"/>
@@ -2400,15 +2400,15 @@
           </p:nvSpPr>
           <p:spPr>
             <a:xfrm>
-              <a:off x="5257694" y="1603770"/>
-              <a:ext cx="0" cy="4350502"/>
+              <a:off x="5052982" y="1227560"/>
+              <a:ext cx="0" cy="4726713"/>
             </a:xfrm>
             <a:custGeom>
               <a:avLst/>
               <a:pathLst>
-                <a:path w="0" h="4350502">
+                <a:path w="0" h="4726713">
                   <a:moveTo>
-                    <a:pt x="0" y="4350502"/>
+                    <a:pt x="0" y="4726713"/>
                   </a:moveTo>
                   <a:lnTo>
                     <a:pt x="0" y="0"/>
@@ -2443,15 +2443,15 @@
           </p:nvSpPr>
           <p:spPr>
             <a:xfrm>
-              <a:off x="5701238" y="1603770"/>
-              <a:ext cx="0" cy="4350502"/>
+              <a:off x="5428288" y="1227560"/>
+              <a:ext cx="0" cy="4726713"/>
             </a:xfrm>
             <a:custGeom>
               <a:avLst/>
               <a:pathLst>
-                <a:path w="0" h="4350502">
+                <a:path w="0" h="4726713">
                   <a:moveTo>
-                    <a:pt x="0" y="4350502"/>
+                    <a:pt x="0" y="4726713"/>
                   </a:moveTo>
                   <a:lnTo>
                     <a:pt x="0" y="0"/>
@@ -2486,15 +2486,15 @@
           </p:nvSpPr>
           <p:spPr>
             <a:xfrm>
-              <a:off x="6144781" y="1603770"/>
-              <a:ext cx="0" cy="4350502"/>
+              <a:off x="5803594" y="1227560"/>
+              <a:ext cx="0" cy="4726713"/>
             </a:xfrm>
             <a:custGeom>
               <a:avLst/>
               <a:pathLst>
-                <a:path w="0" h="4350502">
+                <a:path w="0" h="4726713">
                   <a:moveTo>
-                    <a:pt x="0" y="4350502"/>
+                    <a:pt x="0" y="4726713"/>
                   </a:moveTo>
                   <a:lnTo>
                     <a:pt x="0" y="0"/>
@@ -2529,15 +2529,15 @@
           </p:nvSpPr>
           <p:spPr>
             <a:xfrm>
-              <a:off x="6588325" y="1603770"/>
-              <a:ext cx="0" cy="4350502"/>
+              <a:off x="6178900" y="1227560"/>
+              <a:ext cx="0" cy="4726713"/>
             </a:xfrm>
             <a:custGeom>
               <a:avLst/>
               <a:pathLst>
-                <a:path w="0" h="4350502">
+                <a:path w="0" h="4726713">
                   <a:moveTo>
-                    <a:pt x="0" y="4350502"/>
+                    <a:pt x="0" y="4726713"/>
                   </a:moveTo>
                   <a:lnTo>
                     <a:pt x="0" y="0"/>
@@ -2572,15 +2572,15 @@
           </p:nvSpPr>
           <p:spPr>
             <a:xfrm>
-              <a:off x="7031869" y="1603770"/>
-              <a:ext cx="0" cy="4350502"/>
+              <a:off x="6554206" y="1227560"/>
+              <a:ext cx="0" cy="4726713"/>
             </a:xfrm>
             <a:custGeom>
               <a:avLst/>
               <a:pathLst>
-                <a:path w="0" h="4350502">
+                <a:path w="0" h="4726713">
                   <a:moveTo>
-                    <a:pt x="0" y="4350502"/>
+                    <a:pt x="0" y="4726713"/>
                   </a:moveTo>
                   <a:lnTo>
                     <a:pt x="0" y="0"/>
@@ -2615,15 +2615,15 @@
           </p:nvSpPr>
           <p:spPr>
             <a:xfrm>
-              <a:off x="7475412" y="1603770"/>
-              <a:ext cx="0" cy="4350502"/>
+              <a:off x="6929512" y="1227560"/>
+              <a:ext cx="0" cy="4726713"/>
             </a:xfrm>
             <a:custGeom>
               <a:avLst/>
               <a:pathLst>
-                <a:path w="0" h="4350502">
+                <a:path w="0" h="4726713">
                   <a:moveTo>
-                    <a:pt x="0" y="4350502"/>
+                    <a:pt x="0" y="4726713"/>
                   </a:moveTo>
                   <a:lnTo>
                     <a:pt x="0" y="0"/>
@@ -2658,15 +2658,15 @@
           </p:nvSpPr>
           <p:spPr>
             <a:xfrm>
-              <a:off x="7918956" y="1603770"/>
-              <a:ext cx="0" cy="4350502"/>
+              <a:off x="7304819" y="1227560"/>
+              <a:ext cx="0" cy="4726713"/>
             </a:xfrm>
             <a:custGeom>
               <a:avLst/>
               <a:pathLst>
-                <a:path w="0" h="4350502">
+                <a:path w="0" h="4726713">
                   <a:moveTo>
-                    <a:pt x="0" y="4350502"/>
+                    <a:pt x="0" y="4726713"/>
                   </a:moveTo>
                   <a:lnTo>
                     <a:pt x="0" y="0"/>
@@ -2701,15 +2701,15 @@
           </p:nvSpPr>
           <p:spPr>
             <a:xfrm>
-              <a:off x="8362500" y="1603770"/>
-              <a:ext cx="0" cy="4350502"/>
+              <a:off x="7680125" y="1227560"/>
+              <a:ext cx="0" cy="4726713"/>
             </a:xfrm>
             <a:custGeom>
               <a:avLst/>
               <a:pathLst>
-                <a:path w="0" h="4350502">
+                <a:path w="0" h="4726713">
                   <a:moveTo>
-                    <a:pt x="0" y="4350502"/>
+                    <a:pt x="0" y="4726713"/>
                   </a:moveTo>
                   <a:lnTo>
                     <a:pt x="0" y="0"/>
@@ -2738,14 +2738,100 @@
         </p:sp>
         <p:sp>
           <p:nvSpPr>
-            <p:cNvPr id="15" name="rc15"/>
-            <p:cNvSpPr/>
-            <p:nvPr/>
-          </p:nvSpPr>
-          <p:spPr>
-            <a:xfrm>
-              <a:off x="3927063" y="1657260"/>
-              <a:ext cx="4258019" cy="320938"/>
+            <p:cNvPr id="15" name="pl15"/>
+            <p:cNvSpPr/>
+            <p:nvPr/>
+          </p:nvSpPr>
+          <p:spPr>
+            <a:xfrm>
+              <a:off x="8055431" y="1227560"/>
+              <a:ext cx="0" cy="4726713"/>
+            </a:xfrm>
+            <a:custGeom>
+              <a:avLst/>
+              <a:pathLst>
+                <a:path w="0" h="4726713">
+                  <a:moveTo>
+                    <a:pt x="0" y="4726713"/>
+                  </a:moveTo>
+                  <a:lnTo>
+                    <a:pt x="0" y="0"/>
+                  </a:lnTo>
+                  <a:lnTo>
+                    <a:pt x="0" y="0"/>
+                  </a:lnTo>
+                </a:path>
+              </a:pathLst>
+            </a:custGeom>
+            <a:ln w="13550" cap="flat">
+              <a:solidFill>
+                <a:srgbClr val="D3D3D3">
+                  <a:alpha val="100000"/>
+                </a:srgbClr>
+              </a:solidFill>
+              <a:prstDash val="solid"/>
+              <a:round/>
+            </a:ln>
+          </p:spPr>
+          <p:txBody>
+            <a:bodyPr/>
+            <a:lstStyle/>
+            <a:p/>
+          </p:txBody>
+        </p:sp>
+        <p:sp>
+          <p:nvSpPr>
+            <p:cNvPr id="16" name="pl16"/>
+            <p:cNvSpPr/>
+            <p:nvPr/>
+          </p:nvSpPr>
+          <p:spPr>
+            <a:xfrm>
+              <a:off x="8430737" y="1227560"/>
+              <a:ext cx="0" cy="4726713"/>
+            </a:xfrm>
+            <a:custGeom>
+              <a:avLst/>
+              <a:pathLst>
+                <a:path w="0" h="4726713">
+                  <a:moveTo>
+                    <a:pt x="0" y="4726713"/>
+                  </a:moveTo>
+                  <a:lnTo>
+                    <a:pt x="0" y="0"/>
+                  </a:lnTo>
+                  <a:lnTo>
+                    <a:pt x="0" y="0"/>
+                  </a:lnTo>
+                </a:path>
+              </a:pathLst>
+            </a:custGeom>
+            <a:ln w="13550" cap="flat">
+              <a:solidFill>
+                <a:srgbClr val="D3D3D3">
+                  <a:alpha val="100000"/>
+                </a:srgbClr>
+              </a:solidFill>
+              <a:prstDash val="solid"/>
+              <a:round/>
+            </a:ln>
+          </p:spPr>
+          <p:txBody>
+            <a:bodyPr/>
+            <a:lstStyle/>
+            <a:p/>
+          </p:txBody>
+        </p:sp>
+        <p:sp>
+          <p:nvSpPr>
+            <p:cNvPr id="17" name="rc17"/>
+            <p:cNvSpPr/>
+            <p:nvPr/>
+          </p:nvSpPr>
+          <p:spPr>
+            <a:xfrm>
+              <a:off x="3927063" y="1285675"/>
+              <a:ext cx="3602939" cy="348691"/>
             </a:xfrm>
             <a:prstGeom prst="rect">
               <a:avLst/>
@@ -2764,14 +2850,14 @@
         </p:sp>
         <p:sp>
           <p:nvSpPr>
-            <p:cNvPr id="16" name="rc16"/>
-            <p:cNvSpPr/>
-            <p:nvPr/>
-          </p:nvSpPr>
-          <p:spPr>
-            <a:xfrm>
-              <a:off x="3927063" y="2013858"/>
-              <a:ext cx="2838679" cy="320938"/>
+            <p:cNvPr id="18" name="rc18"/>
+            <p:cNvSpPr/>
+            <p:nvPr/>
+          </p:nvSpPr>
+          <p:spPr>
+            <a:xfrm>
+              <a:off x="3927063" y="1673111"/>
+              <a:ext cx="2401959" cy="348691"/>
             </a:xfrm>
             <a:prstGeom prst="rect">
               <a:avLst/>
@@ -2790,14 +2876,14 @@
         </p:sp>
         <p:sp>
           <p:nvSpPr>
-            <p:cNvPr id="17" name="rc17"/>
-            <p:cNvSpPr/>
-            <p:nvPr/>
-          </p:nvSpPr>
-          <p:spPr>
-            <a:xfrm>
-              <a:off x="3927063" y="2370457"/>
-              <a:ext cx="2395135" cy="320938"/>
+            <p:cNvPr id="19" name="rc19"/>
+            <p:cNvSpPr/>
+            <p:nvPr/>
+          </p:nvSpPr>
+          <p:spPr>
+            <a:xfrm>
+              <a:off x="3927063" y="2060546"/>
+              <a:ext cx="2026653" cy="348691"/>
             </a:xfrm>
             <a:prstGeom prst="rect">
               <a:avLst/>
@@ -2816,14 +2902,14 @@
         </p:sp>
         <p:sp>
           <p:nvSpPr>
-            <p:cNvPr id="18" name="rc18"/>
-            <p:cNvSpPr/>
-            <p:nvPr/>
-          </p:nvSpPr>
-          <p:spPr>
-            <a:xfrm>
-              <a:off x="3927063" y="2727056"/>
-              <a:ext cx="1951592" cy="320938"/>
+            <p:cNvPr id="20" name="rc20"/>
+            <p:cNvSpPr/>
+            <p:nvPr/>
+          </p:nvSpPr>
+          <p:spPr>
+            <a:xfrm>
+              <a:off x="3927063" y="2447982"/>
+              <a:ext cx="1651347" cy="348691"/>
             </a:xfrm>
             <a:prstGeom prst="rect">
               <a:avLst/>
@@ -2842,14 +2928,14 @@
         </p:sp>
         <p:sp>
           <p:nvSpPr>
-            <p:cNvPr id="19" name="rc19"/>
-            <p:cNvSpPr/>
-            <p:nvPr/>
-          </p:nvSpPr>
-          <p:spPr>
-            <a:xfrm>
-              <a:off x="3927063" y="3083654"/>
-              <a:ext cx="1330630" cy="320938"/>
+            <p:cNvPr id="21" name="rc21"/>
+            <p:cNvSpPr/>
+            <p:nvPr/>
+          </p:nvSpPr>
+          <p:spPr>
+            <a:xfrm>
+              <a:off x="3927063" y="2835417"/>
+              <a:ext cx="1125918" cy="348691"/>
             </a:xfrm>
             <a:prstGeom prst="rect">
               <a:avLst/>
@@ -2868,14 +2954,14 @@
         </p:sp>
         <p:sp>
           <p:nvSpPr>
-            <p:cNvPr id="20" name="rc20"/>
-            <p:cNvSpPr/>
-            <p:nvPr/>
-          </p:nvSpPr>
-          <p:spPr>
-            <a:xfrm>
-              <a:off x="3927063" y="3440253"/>
-              <a:ext cx="887087" cy="320938"/>
+            <p:cNvPr id="22" name="rc22"/>
+            <p:cNvSpPr/>
+            <p:nvPr/>
+          </p:nvSpPr>
+          <p:spPr>
+            <a:xfrm>
+              <a:off x="3927063" y="5547466"/>
+              <a:ext cx="750612" cy="348691"/>
             </a:xfrm>
             <a:prstGeom prst="rect">
               <a:avLst/>
@@ -2894,14 +2980,14 @@
         </p:sp>
         <p:sp>
           <p:nvSpPr>
-            <p:cNvPr id="21" name="rc21"/>
-            <p:cNvSpPr/>
-            <p:nvPr/>
-          </p:nvSpPr>
-          <p:spPr>
-            <a:xfrm>
-              <a:off x="3927063" y="3796851"/>
-              <a:ext cx="709669" cy="320938"/>
+            <p:cNvPr id="23" name="rc23"/>
+            <p:cNvSpPr/>
+            <p:nvPr/>
+          </p:nvSpPr>
+          <p:spPr>
+            <a:xfrm>
+              <a:off x="3927063" y="3222853"/>
+              <a:ext cx="600489" cy="348691"/>
             </a:xfrm>
             <a:prstGeom prst="rect">
               <a:avLst/>
@@ -2920,14 +3006,14 @@
         </p:sp>
         <p:sp>
           <p:nvSpPr>
-            <p:cNvPr id="22" name="rc22"/>
-            <p:cNvSpPr/>
-            <p:nvPr/>
-          </p:nvSpPr>
-          <p:spPr>
-            <a:xfrm>
-              <a:off x="3927063" y="4153450"/>
-              <a:ext cx="620961" cy="320938"/>
+            <p:cNvPr id="24" name="rc24"/>
+            <p:cNvSpPr/>
+            <p:nvPr/>
+          </p:nvSpPr>
+          <p:spPr>
+            <a:xfrm>
+              <a:off x="3927063" y="3610288"/>
+              <a:ext cx="525428" cy="348691"/>
             </a:xfrm>
             <a:prstGeom prst="rect">
               <a:avLst/>
@@ -2946,14 +3032,14 @@
         </p:sp>
         <p:sp>
           <p:nvSpPr>
-            <p:cNvPr id="23" name="rc23"/>
-            <p:cNvSpPr/>
-            <p:nvPr/>
-          </p:nvSpPr>
-          <p:spPr>
-            <a:xfrm>
-              <a:off x="3927063" y="4510049"/>
-              <a:ext cx="532252" cy="320938"/>
+            <p:cNvPr id="25" name="rc25"/>
+            <p:cNvSpPr/>
+            <p:nvPr/>
+          </p:nvSpPr>
+          <p:spPr>
+            <a:xfrm>
+              <a:off x="3927063" y="3997724"/>
+              <a:ext cx="450367" cy="348691"/>
             </a:xfrm>
             <a:prstGeom prst="rect">
               <a:avLst/>
@@ -2972,14 +3058,14 @@
         </p:sp>
         <p:sp>
           <p:nvSpPr>
-            <p:cNvPr id="24" name="rc24"/>
-            <p:cNvSpPr/>
-            <p:nvPr/>
-          </p:nvSpPr>
-          <p:spPr>
-            <a:xfrm>
-              <a:off x="3927063" y="4866647"/>
-              <a:ext cx="354834" cy="320938"/>
+            <p:cNvPr id="26" name="rc26"/>
+            <p:cNvSpPr/>
+            <p:nvPr/>
+          </p:nvSpPr>
+          <p:spPr>
+            <a:xfrm>
+              <a:off x="3927063" y="4385159"/>
+              <a:ext cx="300244" cy="348691"/>
             </a:xfrm>
             <a:prstGeom prst="rect">
               <a:avLst/>
@@ -2998,14 +3084,14 @@
         </p:sp>
         <p:sp>
           <p:nvSpPr>
-            <p:cNvPr id="25" name="rc25"/>
-            <p:cNvSpPr/>
-            <p:nvPr/>
-          </p:nvSpPr>
-          <p:spPr>
-            <a:xfrm>
-              <a:off x="3927063" y="5223246"/>
-              <a:ext cx="266126" cy="320938"/>
+            <p:cNvPr id="27" name="rc27"/>
+            <p:cNvSpPr/>
+            <p:nvPr/>
+          </p:nvSpPr>
+          <p:spPr>
+            <a:xfrm>
+              <a:off x="3927063" y="4772595"/>
+              <a:ext cx="225183" cy="348691"/>
             </a:xfrm>
             <a:prstGeom prst="rect">
               <a:avLst/>
@@ -3024,14 +3110,14 @@
         </p:sp>
         <p:sp>
           <p:nvSpPr>
-            <p:cNvPr id="26" name="rc26"/>
-            <p:cNvSpPr/>
-            <p:nvPr/>
-          </p:nvSpPr>
-          <p:spPr>
-            <a:xfrm>
-              <a:off x="3927063" y="5579844"/>
-              <a:ext cx="88708" cy="320938"/>
+            <p:cNvPr id="28" name="rc28"/>
+            <p:cNvSpPr/>
+            <p:nvPr/>
+          </p:nvSpPr>
+          <p:spPr>
+            <a:xfrm>
+              <a:off x="3927063" y="5160030"/>
+              <a:ext cx="75061" cy="348691"/>
             </a:xfrm>
             <a:prstGeom prst="rect">
               <a:avLst/>
@@ -3050,14 +3136,14 @@
         </p:sp>
         <p:sp>
           <p:nvSpPr>
-            <p:cNvPr id="27" name="tx27"/>
-            <p:cNvSpPr/>
-            <p:nvPr/>
-          </p:nvSpPr>
-          <p:spPr>
-            <a:xfrm>
-              <a:off x="8235324" y="1750329"/>
-              <a:ext cx="200965" cy="132065"/>
+            <p:cNvPr id="29" name="tx29"/>
+            <p:cNvSpPr/>
+            <p:nvPr/>
+          </p:nvSpPr>
+          <p:spPr>
+            <a:xfrm>
+              <a:off x="7676624" y="1376106"/>
+              <a:ext cx="586487" cy="135647"/>
             </a:xfrm>
             <a:prstGeom prst="rect">
               <a:avLst/>
@@ -3070,7 +3156,7 @@
             <a:p>
               <a:pPr algn="l" marL="0" marR="0" indent="0">
                 <a:lnSpc>
-                  <a:spcPts val="1422"/>
+                  <a:spcPts val="1138"/>
                 </a:lnSpc>
                 <a:spcBef>
                   <a:spcPts val="0"/>
@@ -3080,7 +3166,7 @@
                 </a:spcAft>
               </a:pPr>
               <a:r>
-                <a:rPr sz="1422">
+                <a:rPr sz="1138">
                   <a:solidFill>
                     <a:srgbClr val="000000">
                       <a:alpha val="100000"/>
@@ -3089,21 +3175,21 @@
                   <a:latin typeface="Arial"/>
                   <a:cs typeface="Arial"/>
                 </a:rPr>
-                <a:t>48</a:t>
+                <a:t>48 (29%)</a:t>
               </a:r>
             </a:p>
           </p:txBody>
         </p:sp>
         <p:sp>
           <p:nvSpPr>
-            <p:cNvPr id="28" name="tx28"/>
-            <p:cNvSpPr/>
-            <p:nvPr/>
-          </p:nvSpPr>
-          <p:spPr>
-            <a:xfrm>
-              <a:off x="6815984" y="2106839"/>
-              <a:ext cx="200965" cy="132153"/>
+            <p:cNvPr id="30" name="tx30"/>
+            <p:cNvSpPr/>
+            <p:nvPr/>
+          </p:nvSpPr>
+          <p:spPr>
+            <a:xfrm>
+              <a:off x="6475645" y="1763542"/>
+              <a:ext cx="586487" cy="135647"/>
             </a:xfrm>
             <a:prstGeom prst="rect">
               <a:avLst/>
@@ -3116,7 +3202,7 @@
             <a:p>
               <a:pPr algn="l" marL="0" marR="0" indent="0">
                 <a:lnSpc>
-                  <a:spcPts val="1422"/>
+                  <a:spcPts val="1138"/>
                 </a:lnSpc>
                 <a:spcBef>
                   <a:spcPts val="0"/>
@@ -3126,7 +3212,7 @@
                 </a:spcAft>
               </a:pPr>
               <a:r>
-                <a:rPr sz="1422">
+                <a:rPr sz="1138">
                   <a:solidFill>
                     <a:srgbClr val="000000">
                       <a:alpha val="100000"/>
@@ -3135,21 +3221,21 @@
                   <a:latin typeface="Arial"/>
                   <a:cs typeface="Arial"/>
                 </a:rPr>
-                <a:t>32</a:t>
+                <a:t>32 (19%)</a:t>
               </a:r>
             </a:p>
           </p:txBody>
         </p:sp>
         <p:sp>
           <p:nvSpPr>
-            <p:cNvPr id="29" name="tx29"/>
-            <p:cNvSpPr/>
-            <p:nvPr/>
-          </p:nvSpPr>
-          <p:spPr>
-            <a:xfrm>
-              <a:off x="6372440" y="2465732"/>
-              <a:ext cx="200965" cy="129860"/>
+            <p:cNvPr id="31" name="tx31"/>
+            <p:cNvSpPr/>
+            <p:nvPr/>
+          </p:nvSpPr>
+          <p:spPr>
+            <a:xfrm>
+              <a:off x="6100338" y="2150977"/>
+              <a:ext cx="586487" cy="135647"/>
             </a:xfrm>
             <a:prstGeom prst="rect">
               <a:avLst/>
@@ -3162,7 +3248,7 @@
             <a:p>
               <a:pPr algn="l" marL="0" marR="0" indent="0">
                 <a:lnSpc>
-                  <a:spcPts val="1422"/>
+                  <a:spcPts val="1138"/>
                 </a:lnSpc>
                 <a:spcBef>
                   <a:spcPts val="0"/>
@@ -3172,7 +3258,7 @@
                 </a:spcAft>
               </a:pPr>
               <a:r>
-                <a:rPr sz="1422">
+                <a:rPr sz="1138">
                   <a:solidFill>
                     <a:srgbClr val="000000">
                       <a:alpha val="100000"/>
@@ -3181,21 +3267,21 @@
                   <a:latin typeface="Arial"/>
                   <a:cs typeface="Arial"/>
                 </a:rPr>
-                <a:t>27</a:t>
+                <a:t>27 (16%)</a:t>
               </a:r>
             </a:p>
           </p:txBody>
         </p:sp>
         <p:sp>
           <p:nvSpPr>
-            <p:cNvPr id="30" name="tx30"/>
-            <p:cNvSpPr/>
-            <p:nvPr/>
-          </p:nvSpPr>
-          <p:spPr>
-            <a:xfrm>
-              <a:off x="5928897" y="2822330"/>
-              <a:ext cx="200965" cy="129860"/>
+            <p:cNvPr id="32" name="tx32"/>
+            <p:cNvSpPr/>
+            <p:nvPr/>
+          </p:nvSpPr>
+          <p:spPr>
+            <a:xfrm>
+              <a:off x="5725032" y="2538413"/>
+              <a:ext cx="586487" cy="135647"/>
             </a:xfrm>
             <a:prstGeom prst="rect">
               <a:avLst/>
@@ -3208,7 +3294,7 @@
             <a:p>
               <a:pPr algn="l" marL="0" marR="0" indent="0">
                 <a:lnSpc>
-                  <a:spcPts val="1422"/>
+                  <a:spcPts val="1138"/>
                 </a:lnSpc>
                 <a:spcBef>
                   <a:spcPts val="0"/>
@@ -3218,7 +3304,7 @@
                 </a:spcAft>
               </a:pPr>
               <a:r>
-                <a:rPr sz="1422">
+                <a:rPr sz="1138">
                   <a:solidFill>
                     <a:srgbClr val="000000">
                       <a:alpha val="100000"/>
@@ -3227,21 +3313,21 @@
                   <a:latin typeface="Arial"/>
                   <a:cs typeface="Arial"/>
                 </a:rPr>
-                <a:t>22</a:t>
+                <a:t>22 (13%)</a:t>
               </a:r>
             </a:p>
           </p:txBody>
         </p:sp>
         <p:sp>
           <p:nvSpPr>
-            <p:cNvPr id="31" name="tx31"/>
-            <p:cNvSpPr/>
-            <p:nvPr/>
-          </p:nvSpPr>
-          <p:spPr>
-            <a:xfrm>
-              <a:off x="5307935" y="3176723"/>
-              <a:ext cx="200965" cy="132065"/>
+            <p:cNvPr id="33" name="tx33"/>
+            <p:cNvSpPr/>
+            <p:nvPr/>
+          </p:nvSpPr>
+          <p:spPr>
+            <a:xfrm>
+              <a:off x="5179507" y="2925848"/>
+              <a:ext cx="506101" cy="135647"/>
             </a:xfrm>
             <a:prstGeom prst="rect">
               <a:avLst/>
@@ -3254,7 +3340,7 @@
             <a:p>
               <a:pPr algn="l" marL="0" marR="0" indent="0">
                 <a:lnSpc>
-                  <a:spcPts val="1422"/>
+                  <a:spcPts val="1138"/>
                 </a:lnSpc>
                 <a:spcBef>
                   <a:spcPts val="0"/>
@@ -3264,7 +3350,7 @@
                 </a:spcAft>
               </a:pPr>
               <a:r>
-                <a:rPr sz="1422">
+                <a:rPr sz="1138">
                   <a:solidFill>
                     <a:srgbClr val="000000">
                       <a:alpha val="100000"/>
@@ -3273,21 +3359,21 @@
                   <a:latin typeface="Arial"/>
                   <a:cs typeface="Arial"/>
                 </a:rPr>
-                <a:t>15</a:t>
+                <a:t>15 (9%)</a:t>
               </a:r>
             </a:p>
           </p:txBody>
         </p:sp>
         <p:sp>
           <p:nvSpPr>
-            <p:cNvPr id="32" name="tx32"/>
-            <p:cNvSpPr/>
-            <p:nvPr/>
-          </p:nvSpPr>
-          <p:spPr>
-            <a:xfrm>
-              <a:off x="4864392" y="3533322"/>
-              <a:ext cx="200965" cy="132065"/>
+            <p:cNvPr id="34" name="tx34"/>
+            <p:cNvSpPr/>
+            <p:nvPr/>
+          </p:nvSpPr>
+          <p:spPr>
+            <a:xfrm>
+              <a:off x="4804201" y="5637897"/>
+              <a:ext cx="506101" cy="135647"/>
             </a:xfrm>
             <a:prstGeom prst="rect">
               <a:avLst/>
@@ -3300,7 +3386,7 @@
             <a:p>
               <a:pPr algn="l" marL="0" marR="0" indent="0">
                 <a:lnSpc>
-                  <a:spcPts val="1422"/>
+                  <a:spcPts val="1138"/>
                 </a:lnSpc>
                 <a:spcBef>
                   <a:spcPts val="0"/>
@@ -3310,7 +3396,7 @@
                 </a:spcAft>
               </a:pPr>
               <a:r>
-                <a:rPr sz="1422">
+                <a:rPr sz="1138">
                   <a:solidFill>
                     <a:srgbClr val="000000">
                       <a:alpha val="100000"/>
@@ -3319,21 +3405,21 @@
                   <a:latin typeface="Arial"/>
                   <a:cs typeface="Arial"/>
                 </a:rPr>
-                <a:t>10</a:t>
+                <a:t>10 (6%)</a:t>
               </a:r>
             </a:p>
           </p:txBody>
         </p:sp>
         <p:sp>
           <p:nvSpPr>
-            <p:cNvPr id="33" name="tx33"/>
-            <p:cNvSpPr/>
-            <p:nvPr/>
-          </p:nvSpPr>
-          <p:spPr>
-            <a:xfrm>
-              <a:off x="4661854" y="3889921"/>
-              <a:ext cx="100482" cy="132065"/>
+            <p:cNvPr id="35" name="tx35"/>
+            <p:cNvSpPr/>
+            <p:nvPr/>
+          </p:nvSpPr>
+          <p:spPr>
+            <a:xfrm>
+              <a:off x="4633982" y="3313284"/>
+              <a:ext cx="425715" cy="135647"/>
             </a:xfrm>
             <a:prstGeom prst="rect">
               <a:avLst/>
@@ -3346,7 +3432,7 @@
             <a:p>
               <a:pPr algn="l" marL="0" marR="0" indent="0">
                 <a:lnSpc>
-                  <a:spcPts val="1422"/>
+                  <a:spcPts val="1138"/>
                 </a:lnSpc>
                 <a:spcBef>
                   <a:spcPts val="0"/>
@@ -3356,7 +3442,7 @@
                 </a:spcAft>
               </a:pPr>
               <a:r>
-                <a:rPr sz="1422">
+                <a:rPr sz="1138">
                   <a:solidFill>
                     <a:srgbClr val="000000">
                       <a:alpha val="100000"/>
@@ -3365,21 +3451,21 @@
                   <a:latin typeface="Arial"/>
                   <a:cs typeface="Arial"/>
                 </a:rPr>
-                <a:t>8</a:t>
+                <a:t>8 (5%)</a:t>
               </a:r>
             </a:p>
           </p:txBody>
         </p:sp>
         <p:sp>
           <p:nvSpPr>
-            <p:cNvPr id="34" name="tx34"/>
-            <p:cNvSpPr/>
-            <p:nvPr/>
-          </p:nvSpPr>
-          <p:spPr>
-            <a:xfrm>
-              <a:off x="4573145" y="4250930"/>
-              <a:ext cx="100482" cy="127654"/>
+            <p:cNvPr id="36" name="tx36"/>
+            <p:cNvSpPr/>
+            <p:nvPr/>
+          </p:nvSpPr>
+          <p:spPr>
+            <a:xfrm>
+              <a:off x="4558921" y="3700719"/>
+              <a:ext cx="425715" cy="135647"/>
             </a:xfrm>
             <a:prstGeom prst="rect">
               <a:avLst/>
@@ -3392,7 +3478,7 @@
             <a:p>
               <a:pPr algn="l" marL="0" marR="0" indent="0">
                 <a:lnSpc>
-                  <a:spcPts val="1422"/>
+                  <a:spcPts val="1138"/>
                 </a:lnSpc>
                 <a:spcBef>
                   <a:spcPts val="0"/>
@@ -3402,7 +3488,7 @@
                 </a:spcAft>
               </a:pPr>
               <a:r>
-                <a:rPr sz="1422">
+                <a:rPr sz="1138">
                   <a:solidFill>
                     <a:srgbClr val="000000">
                       <a:alpha val="100000"/>
@@ -3411,21 +3497,21 @@
                   <a:latin typeface="Arial"/>
                   <a:cs typeface="Arial"/>
                 </a:rPr>
-                <a:t>7</a:t>
+                <a:t>7 (4%)</a:t>
               </a:r>
             </a:p>
           </p:txBody>
         </p:sp>
         <p:sp>
           <p:nvSpPr>
-            <p:cNvPr id="35" name="tx35"/>
-            <p:cNvSpPr/>
-            <p:nvPr/>
-          </p:nvSpPr>
-          <p:spPr>
-            <a:xfrm>
-              <a:off x="4484436" y="4603118"/>
-              <a:ext cx="100482" cy="132065"/>
+            <p:cNvPr id="37" name="tx37"/>
+            <p:cNvSpPr/>
+            <p:nvPr/>
+          </p:nvSpPr>
+          <p:spPr>
+            <a:xfrm>
+              <a:off x="4483859" y="4088155"/>
+              <a:ext cx="425715" cy="135647"/>
             </a:xfrm>
             <a:prstGeom prst="rect">
               <a:avLst/>
@@ -3438,7 +3524,7 @@
             <a:p>
               <a:pPr algn="l" marL="0" marR="0" indent="0">
                 <a:lnSpc>
-                  <a:spcPts val="1422"/>
+                  <a:spcPts val="1138"/>
                 </a:lnSpc>
                 <a:spcBef>
                   <a:spcPts val="0"/>
@@ -3448,7 +3534,7 @@
                 </a:spcAft>
               </a:pPr>
               <a:r>
-                <a:rPr sz="1422">
+                <a:rPr sz="1138">
                   <a:solidFill>
                     <a:srgbClr val="000000">
                       <a:alpha val="100000"/>
@@ -3457,21 +3543,21 @@
                   <a:latin typeface="Arial"/>
                   <a:cs typeface="Arial"/>
                 </a:rPr>
-                <a:t>6</a:t>
+                <a:t>6 (4%)</a:t>
               </a:r>
             </a:p>
           </p:txBody>
         </p:sp>
         <p:sp>
           <p:nvSpPr>
-            <p:cNvPr id="36" name="tx36"/>
-            <p:cNvSpPr/>
-            <p:nvPr/>
-          </p:nvSpPr>
-          <p:spPr>
-            <a:xfrm>
-              <a:off x="4307019" y="4962451"/>
-              <a:ext cx="100482" cy="129330"/>
+            <p:cNvPr id="38" name="tx38"/>
+            <p:cNvSpPr/>
+            <p:nvPr/>
+          </p:nvSpPr>
+          <p:spPr>
+            <a:xfrm>
+              <a:off x="4333737" y="4475590"/>
+              <a:ext cx="425715" cy="135647"/>
             </a:xfrm>
             <a:prstGeom prst="rect">
               <a:avLst/>
@@ -3484,7 +3570,7 @@
             <a:p>
               <a:pPr algn="l" marL="0" marR="0" indent="0">
                 <a:lnSpc>
-                  <a:spcPts val="1422"/>
+                  <a:spcPts val="1138"/>
                 </a:lnSpc>
                 <a:spcBef>
                   <a:spcPts val="0"/>
@@ -3494,7 +3580,7 @@
                 </a:spcAft>
               </a:pPr>
               <a:r>
-                <a:rPr sz="1422">
+                <a:rPr sz="1138">
                   <a:solidFill>
                     <a:srgbClr val="000000">
                       <a:alpha val="100000"/>
@@ -3503,21 +3589,21 @@
                   <a:latin typeface="Arial"/>
                   <a:cs typeface="Arial"/>
                 </a:rPr>
-                <a:t>4</a:t>
+                <a:t>4 (2%)</a:t>
               </a:r>
             </a:p>
           </p:txBody>
         </p:sp>
         <p:sp>
           <p:nvSpPr>
-            <p:cNvPr id="37" name="tx37"/>
-            <p:cNvSpPr/>
-            <p:nvPr/>
-          </p:nvSpPr>
-          <p:spPr>
-            <a:xfrm>
-              <a:off x="4218310" y="5316227"/>
-              <a:ext cx="100482" cy="132153"/>
+            <p:cNvPr id="39" name="tx39"/>
+            <p:cNvSpPr/>
+            <p:nvPr/>
+          </p:nvSpPr>
+          <p:spPr>
+            <a:xfrm>
+              <a:off x="4258676" y="4863026"/>
+              <a:ext cx="425715" cy="135647"/>
             </a:xfrm>
             <a:prstGeom prst="rect">
               <a:avLst/>
@@ -3530,7 +3616,7 @@
             <a:p>
               <a:pPr algn="l" marL="0" marR="0" indent="0">
                 <a:lnSpc>
-                  <a:spcPts val="1422"/>
+                  <a:spcPts val="1138"/>
                 </a:lnSpc>
                 <a:spcBef>
                   <a:spcPts val="0"/>
@@ -3540,7 +3626,7 @@
                 </a:spcAft>
               </a:pPr>
               <a:r>
-                <a:rPr sz="1422">
+                <a:rPr sz="1138">
                   <a:solidFill>
                     <a:srgbClr val="000000">
                       <a:alpha val="100000"/>
@@ -3549,21 +3635,21 @@
                   <a:latin typeface="Arial"/>
                   <a:cs typeface="Arial"/>
                 </a:rPr>
-                <a:t>3</a:t>
+                <a:t>3 (2%)</a:t>
               </a:r>
             </a:p>
           </p:txBody>
         </p:sp>
         <p:sp>
           <p:nvSpPr>
-            <p:cNvPr id="38" name="tx38"/>
-            <p:cNvSpPr/>
-            <p:nvPr/>
-          </p:nvSpPr>
-          <p:spPr>
-            <a:xfrm>
-              <a:off x="4040893" y="5675119"/>
-              <a:ext cx="100482" cy="129860"/>
+            <p:cNvPr id="40" name="tx40"/>
+            <p:cNvSpPr/>
+            <p:nvPr/>
+          </p:nvSpPr>
+          <p:spPr>
+            <a:xfrm>
+              <a:off x="4108553" y="5250461"/>
+              <a:ext cx="425715" cy="135647"/>
             </a:xfrm>
             <a:prstGeom prst="rect">
               <a:avLst/>
@@ -3576,7 +3662,7 @@
             <a:p>
               <a:pPr algn="l" marL="0" marR="0" indent="0">
                 <a:lnSpc>
-                  <a:spcPts val="1422"/>
+                  <a:spcPts val="1138"/>
                 </a:lnSpc>
                 <a:spcBef>
                   <a:spcPts val="0"/>
@@ -3586,7 +3672,7 @@
                 </a:spcAft>
               </a:pPr>
               <a:r>
-                <a:rPr sz="1422">
+                <a:rPr sz="1138">
                   <a:solidFill>
                     <a:srgbClr val="000000">
                       <a:alpha val="100000"/>
@@ -3595,28 +3681,28 @@
                   <a:latin typeface="Arial"/>
                   <a:cs typeface="Arial"/>
                 </a:rPr>
-                <a:t>1</a:t>
+                <a:t>1 (1%)</a:t>
               </a:r>
             </a:p>
           </p:txBody>
         </p:sp>
         <p:sp>
           <p:nvSpPr>
-            <p:cNvPr id="39" name="pl39"/>
-            <p:cNvSpPr/>
-            <p:nvPr/>
-          </p:nvSpPr>
-          <p:spPr>
-            <a:xfrm>
-              <a:off x="3927063" y="1603770"/>
-              <a:ext cx="0" cy="4350502"/>
+            <p:cNvPr id="41" name="pl41"/>
+            <p:cNvSpPr/>
+            <p:nvPr/>
+          </p:nvSpPr>
+          <p:spPr>
+            <a:xfrm>
+              <a:off x="3927063" y="1227560"/>
+              <a:ext cx="0" cy="4726713"/>
             </a:xfrm>
             <a:custGeom>
               <a:avLst/>
               <a:pathLst>
-                <a:path w="0" h="4350502">
+                <a:path w="0" h="4726713">
                   <a:moveTo>
-                    <a:pt x="0" y="4350502"/>
+                    <a:pt x="0" y="4726713"/>
                   </a:moveTo>
                   <a:lnTo>
                     <a:pt x="0" y="0"/>
@@ -3642,13 +3728,59 @@
         </p:sp>
         <p:sp>
           <p:nvSpPr>
-            <p:cNvPr id="40" name="tx40"/>
-            <p:cNvSpPr/>
-            <p:nvPr/>
-          </p:nvSpPr>
-          <p:spPr>
-            <a:xfrm>
-              <a:off x="2310076" y="5666006"/>
+            <p:cNvPr id="42" name="tx42"/>
+            <p:cNvSpPr/>
+            <p:nvPr/>
+          </p:nvSpPr>
+          <p:spPr>
+            <a:xfrm>
+              <a:off x="3021517" y="5649099"/>
+              <a:ext cx="835053" cy="119466"/>
+            </a:xfrm>
+            <a:prstGeom prst="rect">
+              <a:avLst/>
+            </a:prstGeom>
+            <a:noFill/>
+          </p:spPr>
+          <p:txBody>
+            <a:bodyPr lIns="0" rIns="0" tIns="0" bIns="0" anchorCtr="1" anchor="ctr" wrap="none"/>
+            <a:lstStyle/>
+            <a:p>
+              <a:pPr algn="l" marL="0" marR="0" indent="0">
+                <a:lnSpc>
+                  <a:spcPts val="1028"/>
+                </a:lnSpc>
+                <a:spcBef>
+                  <a:spcPts val="0"/>
+                </a:spcBef>
+                <a:spcAft>
+                  <a:spcPts val="0"/>
+                </a:spcAft>
+              </a:pPr>
+              <a:r>
+                <a:rPr sz="1028">
+                  <a:solidFill>
+                    <a:srgbClr val="000000">
+                      <a:alpha val="100000"/>
+                    </a:srgbClr>
+                  </a:solidFill>
+                  <a:latin typeface="Arial"/>
+                  <a:cs typeface="Arial"/>
+                </a:rPr>
+                <a:t>Je ne sais pas</a:t>
+              </a:r>
+            </a:p>
+          </p:txBody>
+        </p:sp>
+        <p:sp>
+          <p:nvSpPr>
+            <p:cNvPr id="43" name="tx43"/>
+            <p:cNvSpPr/>
+            <p:nvPr/>
+          </p:nvSpPr>
+          <p:spPr>
+            <a:xfrm>
+              <a:off x="2310076" y="5260068"/>
               <a:ext cx="1546494" cy="121061"/>
             </a:xfrm>
             <a:prstGeom prst="rect">
@@ -3688,13 +3820,13 @@
         </p:sp>
         <p:sp>
           <p:nvSpPr>
-            <p:cNvPr id="41" name="tx41"/>
-            <p:cNvSpPr/>
-            <p:nvPr/>
-          </p:nvSpPr>
-          <p:spPr>
-            <a:xfrm>
-              <a:off x="2200879" y="5308961"/>
+            <p:cNvPr id="44" name="tx44"/>
+            <p:cNvSpPr/>
+            <p:nvPr/>
+          </p:nvSpPr>
+          <p:spPr>
+            <a:xfrm>
+              <a:off x="2200879" y="4872186"/>
               <a:ext cx="1655691" cy="121507"/>
             </a:xfrm>
             <a:prstGeom prst="rect">
@@ -3734,13 +3866,13 @@
         </p:sp>
         <p:sp>
           <p:nvSpPr>
-            <p:cNvPr id="42" name="tx42"/>
-            <p:cNvSpPr/>
-            <p:nvPr/>
-          </p:nvSpPr>
-          <p:spPr>
-            <a:xfrm>
-              <a:off x="712236" y="4951278"/>
+            <p:cNvPr id="45" name="tx45"/>
+            <p:cNvSpPr/>
+            <p:nvPr/>
+          </p:nvSpPr>
+          <p:spPr>
+            <a:xfrm>
+              <a:off x="712236" y="4483667"/>
               <a:ext cx="3144334" cy="122591"/>
             </a:xfrm>
             <a:prstGeom prst="rect">
@@ -3780,13 +3912,13 @@
         </p:sp>
         <p:sp>
           <p:nvSpPr>
-            <p:cNvPr id="43" name="tx43"/>
-            <p:cNvSpPr/>
-            <p:nvPr/>
-          </p:nvSpPr>
-          <p:spPr>
-            <a:xfrm>
-              <a:off x="2948931" y="4621724"/>
+            <p:cNvPr id="46" name="tx46"/>
+            <p:cNvSpPr/>
+            <p:nvPr/>
+          </p:nvSpPr>
+          <p:spPr>
+            <a:xfrm>
+              <a:off x="2948931" y="4123275"/>
               <a:ext cx="907638" cy="95547"/>
             </a:xfrm>
             <a:prstGeom prst="rect">
@@ -3826,13 +3958,13 @@
         </p:sp>
         <p:sp>
           <p:nvSpPr>
-            <p:cNvPr id="44" name="tx44"/>
-            <p:cNvSpPr/>
-            <p:nvPr/>
-          </p:nvSpPr>
-          <p:spPr>
-            <a:xfrm>
-              <a:off x="2418699" y="4240696"/>
+            <p:cNvPr id="47" name="tx47"/>
+            <p:cNvSpPr/>
+            <p:nvPr/>
+          </p:nvSpPr>
+          <p:spPr>
+            <a:xfrm>
+              <a:off x="2418699" y="3711411"/>
               <a:ext cx="1437871" cy="119976"/>
             </a:xfrm>
             <a:prstGeom prst="rect">
@@ -3872,13 +4004,13 @@
         </p:sp>
         <p:sp>
           <p:nvSpPr>
-            <p:cNvPr id="45" name="tx45"/>
-            <p:cNvSpPr/>
-            <p:nvPr/>
-          </p:nvSpPr>
-          <p:spPr>
-            <a:xfrm>
-              <a:off x="1220527" y="3883077"/>
+            <p:cNvPr id="48" name="tx48"/>
+            <p:cNvSpPr/>
+            <p:nvPr/>
+          </p:nvSpPr>
+          <p:spPr>
+            <a:xfrm>
+              <a:off x="1220527" y="3322955"/>
               <a:ext cx="2636043" cy="120997"/>
             </a:xfrm>
             <a:prstGeom prst="rect">
@@ -3918,59 +4050,13 @@
         </p:sp>
         <p:sp>
           <p:nvSpPr>
-            <p:cNvPr id="46" name="tx46"/>
-            <p:cNvSpPr/>
-            <p:nvPr/>
-          </p:nvSpPr>
-          <p:spPr>
-            <a:xfrm>
-              <a:off x="3021517" y="3528009"/>
-              <a:ext cx="835053" cy="119466"/>
-            </a:xfrm>
-            <a:prstGeom prst="rect">
-              <a:avLst/>
-            </a:prstGeom>
-            <a:noFill/>
-          </p:spPr>
-          <p:txBody>
-            <a:bodyPr lIns="0" rIns="0" tIns="0" bIns="0" anchorCtr="1" anchor="ctr" wrap="none"/>
-            <a:lstStyle/>
-            <a:p>
-              <a:pPr algn="l" marL="0" marR="0" indent="0">
-                <a:lnSpc>
-                  <a:spcPts val="1028"/>
-                </a:lnSpc>
-                <a:spcBef>
-                  <a:spcPts val="0"/>
-                </a:spcBef>
-                <a:spcAft>
-                  <a:spcPts val="0"/>
-                </a:spcAft>
-              </a:pPr>
-              <a:r>
-                <a:rPr sz="1028">
-                  <a:solidFill>
-                    <a:srgbClr val="000000">
-                      <a:alpha val="100000"/>
-                    </a:srgbClr>
-                  </a:solidFill>
-                  <a:latin typeface="Arial"/>
-                  <a:cs typeface="Arial"/>
-                </a:rPr>
-                <a:t>Je ne sais pas</a:t>
-              </a:r>
-            </a:p>
-          </p:txBody>
-        </p:sp>
-        <p:sp>
-          <p:nvSpPr>
-            <p:cNvPr id="47" name="tx47"/>
-            <p:cNvSpPr/>
-            <p:nvPr/>
-          </p:nvSpPr>
-          <p:spPr>
-            <a:xfrm>
-              <a:off x="2418827" y="3168285"/>
+            <p:cNvPr id="49" name="tx49"/>
+            <p:cNvSpPr/>
+            <p:nvPr/>
+          </p:nvSpPr>
+          <p:spPr>
+            <a:xfrm>
+              <a:off x="2418827" y="2933925"/>
               <a:ext cx="1437743" cy="122591"/>
             </a:xfrm>
             <a:prstGeom prst="rect">
@@ -4010,13 +4096,13 @@
         </p:sp>
         <p:sp>
           <p:nvSpPr>
-            <p:cNvPr id="48" name="tx48"/>
-            <p:cNvSpPr/>
-            <p:nvPr/>
-          </p:nvSpPr>
-          <p:spPr>
-            <a:xfrm>
-              <a:off x="1946765" y="2811686"/>
+            <p:cNvPr id="50" name="tx50"/>
+            <p:cNvSpPr/>
+            <p:nvPr/>
+          </p:nvSpPr>
+          <p:spPr>
+            <a:xfrm>
+              <a:off x="1946765" y="2546489"/>
               <a:ext cx="1909805" cy="122591"/>
             </a:xfrm>
             <a:prstGeom prst="rect">
@@ -4056,13 +4142,13 @@
         </p:sp>
         <p:sp>
           <p:nvSpPr>
-            <p:cNvPr id="49" name="tx49"/>
-            <p:cNvSpPr/>
-            <p:nvPr/>
-          </p:nvSpPr>
-          <p:spPr>
-            <a:xfrm>
-              <a:off x="2578796" y="2481048"/>
+            <p:cNvPr id="51" name="tx51"/>
+            <p:cNvSpPr/>
+            <p:nvPr/>
+          </p:nvSpPr>
+          <p:spPr>
+            <a:xfrm>
+              <a:off x="2578796" y="2185013"/>
               <a:ext cx="1277774" cy="96631"/>
             </a:xfrm>
             <a:prstGeom prst="rect">
@@ -4102,13 +4188,13 @@
         </p:sp>
         <p:sp>
           <p:nvSpPr>
-            <p:cNvPr id="50" name="tx50"/>
-            <p:cNvSpPr/>
-            <p:nvPr/>
-          </p:nvSpPr>
-          <p:spPr>
-            <a:xfrm>
-              <a:off x="821497" y="2099574"/>
+            <p:cNvPr id="52" name="tx52"/>
+            <p:cNvSpPr/>
+            <p:nvPr/>
+          </p:nvSpPr>
+          <p:spPr>
+            <a:xfrm>
+              <a:off x="821497" y="1772702"/>
               <a:ext cx="3035073" cy="121507"/>
             </a:xfrm>
             <a:prstGeom prst="rect">
@@ -4148,13 +4234,13 @@
         </p:sp>
         <p:sp>
           <p:nvSpPr>
-            <p:cNvPr id="51" name="tx51"/>
-            <p:cNvSpPr/>
-            <p:nvPr/>
-          </p:nvSpPr>
-          <p:spPr>
-            <a:xfrm>
-              <a:off x="3028724" y="1743422"/>
+            <p:cNvPr id="53" name="tx53"/>
+            <p:cNvSpPr/>
+            <p:nvPr/>
+          </p:nvSpPr>
+          <p:spPr>
+            <a:xfrm>
+              <a:off x="3028724" y="1385713"/>
               <a:ext cx="827845" cy="121061"/>
             </a:xfrm>
             <a:prstGeom prst="rect">
@@ -4194,13 +4280,13 @@
         </p:sp>
         <p:sp>
           <p:nvSpPr>
-            <p:cNvPr id="52" name="pl52"/>
-            <p:cNvSpPr/>
-            <p:nvPr/>
-          </p:nvSpPr>
-          <p:spPr>
-            <a:xfrm>
-              <a:off x="3889105" y="5740314"/>
+            <p:cNvPr id="54" name="pl54"/>
+            <p:cNvSpPr/>
+            <p:nvPr/>
+          </p:nvSpPr>
+          <p:spPr>
+            <a:xfrm>
+              <a:off x="3889105" y="5721812"/>
               <a:ext cx="37957" cy="0"/>
             </a:xfrm>
             <a:custGeom>
@@ -4234,13 +4320,13 @@
         </p:sp>
         <p:sp>
           <p:nvSpPr>
-            <p:cNvPr id="53" name="pl53"/>
-            <p:cNvSpPr/>
-            <p:nvPr/>
-          </p:nvSpPr>
-          <p:spPr>
-            <a:xfrm>
-              <a:off x="3889105" y="5383715"/>
+            <p:cNvPr id="55" name="pl55"/>
+            <p:cNvSpPr/>
+            <p:nvPr/>
+          </p:nvSpPr>
+          <p:spPr>
+            <a:xfrm>
+              <a:off x="3889105" y="5334376"/>
               <a:ext cx="37957" cy="0"/>
             </a:xfrm>
             <a:custGeom>
@@ -4274,13 +4360,13 @@
         </p:sp>
         <p:sp>
           <p:nvSpPr>
-            <p:cNvPr id="54" name="pl54"/>
-            <p:cNvSpPr/>
-            <p:nvPr/>
-          </p:nvSpPr>
-          <p:spPr>
-            <a:xfrm>
-              <a:off x="3889105" y="5027117"/>
+            <p:cNvPr id="56" name="pl56"/>
+            <p:cNvSpPr/>
+            <p:nvPr/>
+          </p:nvSpPr>
+          <p:spPr>
+            <a:xfrm>
+              <a:off x="3889105" y="4946941"/>
               <a:ext cx="37957" cy="0"/>
             </a:xfrm>
             <a:custGeom>
@@ -4314,13 +4400,13 @@
         </p:sp>
         <p:sp>
           <p:nvSpPr>
-            <p:cNvPr id="55" name="pl55"/>
-            <p:cNvSpPr/>
-            <p:nvPr/>
-          </p:nvSpPr>
-          <p:spPr>
-            <a:xfrm>
-              <a:off x="3889105" y="4670518"/>
+            <p:cNvPr id="57" name="pl57"/>
+            <p:cNvSpPr/>
+            <p:nvPr/>
+          </p:nvSpPr>
+          <p:spPr>
+            <a:xfrm>
+              <a:off x="3889105" y="4559505"/>
               <a:ext cx="37957" cy="0"/>
             </a:xfrm>
             <a:custGeom>
@@ -4354,13 +4440,13 @@
         </p:sp>
         <p:sp>
           <p:nvSpPr>
-            <p:cNvPr id="56" name="pl56"/>
-            <p:cNvSpPr/>
-            <p:nvPr/>
-          </p:nvSpPr>
-          <p:spPr>
-            <a:xfrm>
-              <a:off x="3889105" y="4313919"/>
+            <p:cNvPr id="58" name="pl58"/>
+            <p:cNvSpPr/>
+            <p:nvPr/>
+          </p:nvSpPr>
+          <p:spPr>
+            <a:xfrm>
+              <a:off x="3889105" y="4172070"/>
               <a:ext cx="37957" cy="0"/>
             </a:xfrm>
             <a:custGeom>
@@ -4394,13 +4480,13 @@
         </p:sp>
         <p:sp>
           <p:nvSpPr>
-            <p:cNvPr id="57" name="pl57"/>
-            <p:cNvSpPr/>
-            <p:nvPr/>
-          </p:nvSpPr>
-          <p:spPr>
-            <a:xfrm>
-              <a:off x="3889105" y="3957321"/>
+            <p:cNvPr id="59" name="pl59"/>
+            <p:cNvSpPr/>
+            <p:nvPr/>
+          </p:nvSpPr>
+          <p:spPr>
+            <a:xfrm>
+              <a:off x="3889105" y="3784634"/>
               <a:ext cx="37957" cy="0"/>
             </a:xfrm>
             <a:custGeom>
@@ -4434,13 +4520,13 @@
         </p:sp>
         <p:sp>
           <p:nvSpPr>
-            <p:cNvPr id="58" name="pl58"/>
-            <p:cNvSpPr/>
-            <p:nvPr/>
-          </p:nvSpPr>
-          <p:spPr>
-            <a:xfrm>
-              <a:off x="3889105" y="3600722"/>
+            <p:cNvPr id="60" name="pl60"/>
+            <p:cNvSpPr/>
+            <p:nvPr/>
+          </p:nvSpPr>
+          <p:spPr>
+            <a:xfrm>
+              <a:off x="3889105" y="3397199"/>
               <a:ext cx="37957" cy="0"/>
             </a:xfrm>
             <a:custGeom>
@@ -4474,13 +4560,13 @@
         </p:sp>
         <p:sp>
           <p:nvSpPr>
-            <p:cNvPr id="59" name="pl59"/>
-            <p:cNvSpPr/>
-            <p:nvPr/>
-          </p:nvSpPr>
-          <p:spPr>
-            <a:xfrm>
-              <a:off x="3889105" y="3244124"/>
+            <p:cNvPr id="61" name="pl61"/>
+            <p:cNvSpPr/>
+            <p:nvPr/>
+          </p:nvSpPr>
+          <p:spPr>
+            <a:xfrm>
+              <a:off x="3889105" y="3009763"/>
               <a:ext cx="37957" cy="0"/>
             </a:xfrm>
             <a:custGeom>
@@ -4514,13 +4600,13 @@
         </p:sp>
         <p:sp>
           <p:nvSpPr>
-            <p:cNvPr id="60" name="pl60"/>
-            <p:cNvSpPr/>
-            <p:nvPr/>
-          </p:nvSpPr>
-          <p:spPr>
-            <a:xfrm>
-              <a:off x="3889105" y="2887525"/>
+            <p:cNvPr id="62" name="pl62"/>
+            <p:cNvSpPr/>
+            <p:nvPr/>
+          </p:nvSpPr>
+          <p:spPr>
+            <a:xfrm>
+              <a:off x="3889105" y="2622328"/>
               <a:ext cx="37957" cy="0"/>
             </a:xfrm>
             <a:custGeom>
@@ -4554,13 +4640,13 @@
         </p:sp>
         <p:sp>
           <p:nvSpPr>
-            <p:cNvPr id="61" name="pl61"/>
-            <p:cNvSpPr/>
-            <p:nvPr/>
-          </p:nvSpPr>
-          <p:spPr>
-            <a:xfrm>
-              <a:off x="3889105" y="2530926"/>
+            <p:cNvPr id="63" name="pl63"/>
+            <p:cNvSpPr/>
+            <p:nvPr/>
+          </p:nvSpPr>
+          <p:spPr>
+            <a:xfrm>
+              <a:off x="3889105" y="2234892"/>
               <a:ext cx="37957" cy="0"/>
             </a:xfrm>
             <a:custGeom>
@@ -4594,13 +4680,13 @@
         </p:sp>
         <p:sp>
           <p:nvSpPr>
-            <p:cNvPr id="62" name="pl62"/>
-            <p:cNvSpPr/>
-            <p:nvPr/>
-          </p:nvSpPr>
-          <p:spPr>
-            <a:xfrm>
-              <a:off x="3889105" y="2174328"/>
+            <p:cNvPr id="64" name="pl64"/>
+            <p:cNvSpPr/>
+            <p:nvPr/>
+          </p:nvSpPr>
+          <p:spPr>
+            <a:xfrm>
+              <a:off x="3889105" y="1847457"/>
               <a:ext cx="37957" cy="0"/>
             </a:xfrm>
             <a:custGeom>
@@ -4634,13 +4720,13 @@
         </p:sp>
         <p:sp>
           <p:nvSpPr>
-            <p:cNvPr id="63" name="pl63"/>
-            <p:cNvSpPr/>
-            <p:nvPr/>
-          </p:nvSpPr>
-          <p:spPr>
-            <a:xfrm>
-              <a:off x="3889105" y="1817729"/>
+            <p:cNvPr id="65" name="pl65"/>
+            <p:cNvSpPr/>
+            <p:nvPr/>
+          </p:nvSpPr>
+          <p:spPr>
+            <a:xfrm>
+              <a:off x="3889105" y="1460021"/>
               <a:ext cx="37957" cy="0"/>
             </a:xfrm>
             <a:custGeom>
@@ -4674,7 +4760,7 @@
         </p:sp>
         <p:sp>
           <p:nvSpPr>
-            <p:cNvPr id="64" name="pl64"/>
+            <p:cNvPr id="66" name="pl66"/>
             <p:cNvSpPr/>
             <p:nvPr/>
           </p:nvSpPr>
@@ -4714,7 +4800,7 @@
         </p:sp>
         <p:sp>
           <p:nvSpPr>
-            <p:cNvPr id="65" name="pl65"/>
+            <p:cNvPr id="67" name="pl67"/>
             <p:cNvSpPr/>
             <p:nvPr/>
           </p:nvSpPr>
@@ -4754,13 +4840,13 @@
         </p:sp>
         <p:sp>
           <p:nvSpPr>
-            <p:cNvPr id="66" name="pl66"/>
-            <p:cNvSpPr/>
-            <p:nvPr/>
-          </p:nvSpPr>
-          <p:spPr>
-            <a:xfrm>
-              <a:off x="4370607" y="5954273"/>
+            <p:cNvPr id="68" name="pl68"/>
+            <p:cNvSpPr/>
+            <p:nvPr/>
+          </p:nvSpPr>
+          <p:spPr>
+            <a:xfrm>
+              <a:off x="4302369" y="5954273"/>
               <a:ext cx="0" cy="37957"/>
             </a:xfrm>
             <a:custGeom>
@@ -4794,13 +4880,13 @@
         </p:sp>
         <p:sp>
           <p:nvSpPr>
-            <p:cNvPr id="67" name="pl67"/>
-            <p:cNvSpPr/>
-            <p:nvPr/>
-          </p:nvSpPr>
-          <p:spPr>
-            <a:xfrm>
-              <a:off x="4814150" y="5954273"/>
+            <p:cNvPr id="69" name="pl69"/>
+            <p:cNvSpPr/>
+            <p:nvPr/>
+          </p:nvSpPr>
+          <p:spPr>
+            <a:xfrm>
+              <a:off x="4677675" y="5954273"/>
               <a:ext cx="0" cy="37957"/>
             </a:xfrm>
             <a:custGeom>
@@ -4834,13 +4920,13 @@
         </p:sp>
         <p:sp>
           <p:nvSpPr>
-            <p:cNvPr id="68" name="pl68"/>
-            <p:cNvSpPr/>
-            <p:nvPr/>
-          </p:nvSpPr>
-          <p:spPr>
-            <a:xfrm>
-              <a:off x="5257694" y="5954273"/>
+            <p:cNvPr id="70" name="pl70"/>
+            <p:cNvSpPr/>
+            <p:nvPr/>
+          </p:nvSpPr>
+          <p:spPr>
+            <a:xfrm>
+              <a:off x="5052982" y="5954273"/>
               <a:ext cx="0" cy="37957"/>
             </a:xfrm>
             <a:custGeom>
@@ -4874,13 +4960,13 @@
         </p:sp>
         <p:sp>
           <p:nvSpPr>
-            <p:cNvPr id="69" name="pl69"/>
-            <p:cNvSpPr/>
-            <p:nvPr/>
-          </p:nvSpPr>
-          <p:spPr>
-            <a:xfrm>
-              <a:off x="5701238" y="5954273"/>
+            <p:cNvPr id="71" name="pl71"/>
+            <p:cNvSpPr/>
+            <p:nvPr/>
+          </p:nvSpPr>
+          <p:spPr>
+            <a:xfrm>
+              <a:off x="5428288" y="5954273"/>
               <a:ext cx="0" cy="37957"/>
             </a:xfrm>
             <a:custGeom>
@@ -4914,13 +5000,13 @@
         </p:sp>
         <p:sp>
           <p:nvSpPr>
-            <p:cNvPr id="70" name="pl70"/>
-            <p:cNvSpPr/>
-            <p:nvPr/>
-          </p:nvSpPr>
-          <p:spPr>
-            <a:xfrm>
-              <a:off x="6144781" y="5954273"/>
+            <p:cNvPr id="72" name="pl72"/>
+            <p:cNvSpPr/>
+            <p:nvPr/>
+          </p:nvSpPr>
+          <p:spPr>
+            <a:xfrm>
+              <a:off x="5803594" y="5954273"/>
               <a:ext cx="0" cy="37957"/>
             </a:xfrm>
             <a:custGeom>
@@ -4954,13 +5040,13 @@
         </p:sp>
         <p:sp>
           <p:nvSpPr>
-            <p:cNvPr id="71" name="pl71"/>
-            <p:cNvSpPr/>
-            <p:nvPr/>
-          </p:nvSpPr>
-          <p:spPr>
-            <a:xfrm>
-              <a:off x="6588325" y="5954273"/>
+            <p:cNvPr id="73" name="pl73"/>
+            <p:cNvSpPr/>
+            <p:nvPr/>
+          </p:nvSpPr>
+          <p:spPr>
+            <a:xfrm>
+              <a:off x="6178900" y="5954273"/>
               <a:ext cx="0" cy="37957"/>
             </a:xfrm>
             <a:custGeom>
@@ -4994,13 +5080,13 @@
         </p:sp>
         <p:sp>
           <p:nvSpPr>
-            <p:cNvPr id="72" name="pl72"/>
-            <p:cNvSpPr/>
-            <p:nvPr/>
-          </p:nvSpPr>
-          <p:spPr>
-            <a:xfrm>
-              <a:off x="7031869" y="5954273"/>
+            <p:cNvPr id="74" name="pl74"/>
+            <p:cNvSpPr/>
+            <p:nvPr/>
+          </p:nvSpPr>
+          <p:spPr>
+            <a:xfrm>
+              <a:off x="6554206" y="5954273"/>
               <a:ext cx="0" cy="37957"/>
             </a:xfrm>
             <a:custGeom>
@@ -5034,13 +5120,13 @@
         </p:sp>
         <p:sp>
           <p:nvSpPr>
-            <p:cNvPr id="73" name="pl73"/>
-            <p:cNvSpPr/>
-            <p:nvPr/>
-          </p:nvSpPr>
-          <p:spPr>
-            <a:xfrm>
-              <a:off x="7475412" y="5954273"/>
+            <p:cNvPr id="75" name="pl75"/>
+            <p:cNvSpPr/>
+            <p:nvPr/>
+          </p:nvSpPr>
+          <p:spPr>
+            <a:xfrm>
+              <a:off x="6929512" y="5954273"/>
               <a:ext cx="0" cy="37957"/>
             </a:xfrm>
             <a:custGeom>
@@ -5074,13 +5160,13 @@
         </p:sp>
         <p:sp>
           <p:nvSpPr>
-            <p:cNvPr id="74" name="pl74"/>
-            <p:cNvSpPr/>
-            <p:nvPr/>
-          </p:nvSpPr>
-          <p:spPr>
-            <a:xfrm>
-              <a:off x="7918956" y="5954273"/>
+            <p:cNvPr id="76" name="pl76"/>
+            <p:cNvSpPr/>
+            <p:nvPr/>
+          </p:nvSpPr>
+          <p:spPr>
+            <a:xfrm>
+              <a:off x="7304819" y="5954273"/>
               <a:ext cx="0" cy="37957"/>
             </a:xfrm>
             <a:custGeom>
@@ -5114,13 +5200,13 @@
         </p:sp>
         <p:sp>
           <p:nvSpPr>
-            <p:cNvPr id="75" name="pl75"/>
-            <p:cNvSpPr/>
-            <p:nvPr/>
-          </p:nvSpPr>
-          <p:spPr>
-            <a:xfrm>
-              <a:off x="8362500" y="5954273"/>
+            <p:cNvPr id="77" name="pl77"/>
+            <p:cNvSpPr/>
+            <p:nvPr/>
+          </p:nvSpPr>
+          <p:spPr>
+            <a:xfrm>
+              <a:off x="7680125" y="5954273"/>
               <a:ext cx="0" cy="37957"/>
             </a:xfrm>
             <a:custGeom>
@@ -5154,7 +5240,87 @@
         </p:sp>
         <p:sp>
           <p:nvSpPr>
-            <p:cNvPr id="76" name="tx76"/>
+            <p:cNvPr id="78" name="pl78"/>
+            <p:cNvSpPr/>
+            <p:nvPr/>
+          </p:nvSpPr>
+          <p:spPr>
+            <a:xfrm>
+              <a:off x="8055431" y="5954273"/>
+              <a:ext cx="0" cy="37957"/>
+            </a:xfrm>
+            <a:custGeom>
+              <a:avLst/>
+              <a:pathLst>
+                <a:path w="0" h="37957">
+                  <a:moveTo>
+                    <a:pt x="0" y="37957"/>
+                  </a:moveTo>
+                  <a:lnTo>
+                    <a:pt x="0" y="0"/>
+                  </a:lnTo>
+                </a:path>
+              </a:pathLst>
+            </a:custGeom>
+            <a:ln w="13550" cap="flat">
+              <a:solidFill>
+                <a:srgbClr val="000000">
+                  <a:alpha val="100000"/>
+                </a:srgbClr>
+              </a:solidFill>
+              <a:prstDash val="solid"/>
+              <a:round/>
+            </a:ln>
+          </p:spPr>
+          <p:txBody>
+            <a:bodyPr/>
+            <a:lstStyle/>
+            <a:p/>
+          </p:txBody>
+        </p:sp>
+        <p:sp>
+          <p:nvSpPr>
+            <p:cNvPr id="79" name="pl79"/>
+            <p:cNvSpPr/>
+            <p:nvPr/>
+          </p:nvSpPr>
+          <p:spPr>
+            <a:xfrm>
+              <a:off x="8430737" y="5954273"/>
+              <a:ext cx="0" cy="37957"/>
+            </a:xfrm>
+            <a:custGeom>
+              <a:avLst/>
+              <a:pathLst>
+                <a:path w="0" h="37957">
+                  <a:moveTo>
+                    <a:pt x="0" y="37957"/>
+                  </a:moveTo>
+                  <a:lnTo>
+                    <a:pt x="0" y="0"/>
+                  </a:lnTo>
+                </a:path>
+              </a:pathLst>
+            </a:custGeom>
+            <a:ln w="13550" cap="flat">
+              <a:solidFill>
+                <a:srgbClr val="000000">
+                  <a:alpha val="100000"/>
+                </a:srgbClr>
+              </a:solidFill>
+              <a:prstDash val="solid"/>
+              <a:round/>
+            </a:ln>
+          </p:spPr>
+          <p:txBody>
+            <a:bodyPr/>
+            <a:lstStyle/>
+            <a:p/>
+          </p:txBody>
+        </p:sp>
+        <p:sp>
+          <p:nvSpPr>
+            <p:cNvPr id="80" name="tx80"/>
             <p:cNvSpPr/>
             <p:nvPr/>
           </p:nvSpPr>
@@ -5200,13 +5366,13 @@
         </p:sp>
         <p:sp>
           <p:nvSpPr>
-            <p:cNvPr id="77" name="tx77"/>
-            <p:cNvSpPr/>
-            <p:nvPr/>
-          </p:nvSpPr>
-          <p:spPr>
-            <a:xfrm>
-              <a:off x="4334282" y="6024447"/>
+            <p:cNvPr id="81" name="tx81"/>
+            <p:cNvSpPr/>
+            <p:nvPr/>
+          </p:nvSpPr>
+          <p:spPr>
+            <a:xfrm>
+              <a:off x="4266045" y="6024447"/>
               <a:ext cx="72649" cy="93825"/>
             </a:xfrm>
             <a:prstGeom prst="rect">
@@ -5246,13 +5412,13 @@
         </p:sp>
         <p:sp>
           <p:nvSpPr>
-            <p:cNvPr id="78" name="tx78"/>
-            <p:cNvSpPr/>
-            <p:nvPr/>
-          </p:nvSpPr>
-          <p:spPr>
-            <a:xfrm>
-              <a:off x="4741501" y="6022788"/>
+            <p:cNvPr id="82" name="tx82"/>
+            <p:cNvSpPr/>
+            <p:nvPr/>
+          </p:nvSpPr>
+          <p:spPr>
+            <a:xfrm>
+              <a:off x="4605026" y="6022788"/>
               <a:ext cx="145298" cy="95483"/>
             </a:xfrm>
             <a:prstGeom prst="rect">
@@ -5292,13 +5458,13 @@
         </p:sp>
         <p:sp>
           <p:nvSpPr>
-            <p:cNvPr id="79" name="tx79"/>
-            <p:cNvSpPr/>
-            <p:nvPr/>
-          </p:nvSpPr>
-          <p:spPr>
-            <a:xfrm>
-              <a:off x="5185045" y="6022788"/>
+            <p:cNvPr id="83" name="tx83"/>
+            <p:cNvSpPr/>
+            <p:nvPr/>
+          </p:nvSpPr>
+          <p:spPr>
+            <a:xfrm>
+              <a:off x="4980332" y="6022788"/>
               <a:ext cx="145298" cy="95483"/>
             </a:xfrm>
             <a:prstGeom prst="rect">
@@ -5338,13 +5504,13 @@
         </p:sp>
         <p:sp>
           <p:nvSpPr>
-            <p:cNvPr id="80" name="tx80"/>
-            <p:cNvSpPr/>
-            <p:nvPr/>
-          </p:nvSpPr>
-          <p:spPr>
-            <a:xfrm>
-              <a:off x="5628588" y="6022788"/>
+            <p:cNvPr id="84" name="tx84"/>
+            <p:cNvSpPr/>
+            <p:nvPr/>
+          </p:nvSpPr>
+          <p:spPr>
+            <a:xfrm>
+              <a:off x="5355638" y="6022788"/>
               <a:ext cx="145298" cy="95483"/>
             </a:xfrm>
             <a:prstGeom prst="rect">
@@ -5384,13 +5550,13 @@
         </p:sp>
         <p:sp>
           <p:nvSpPr>
-            <p:cNvPr id="81" name="tx81"/>
-            <p:cNvSpPr/>
-            <p:nvPr/>
-          </p:nvSpPr>
-          <p:spPr>
-            <a:xfrm>
-              <a:off x="6072132" y="6022788"/>
+            <p:cNvPr id="85" name="tx85"/>
+            <p:cNvSpPr/>
+            <p:nvPr/>
+          </p:nvSpPr>
+          <p:spPr>
+            <a:xfrm>
+              <a:off x="5730945" y="6022788"/>
               <a:ext cx="145298" cy="95483"/>
             </a:xfrm>
             <a:prstGeom prst="rect">
@@ -5430,13 +5596,13 @@
         </p:sp>
         <p:sp>
           <p:nvSpPr>
-            <p:cNvPr id="82" name="tx82"/>
-            <p:cNvSpPr/>
-            <p:nvPr/>
-          </p:nvSpPr>
-          <p:spPr>
-            <a:xfrm>
-              <a:off x="6515676" y="6022725"/>
+            <p:cNvPr id="86" name="tx86"/>
+            <p:cNvSpPr/>
+            <p:nvPr/>
+          </p:nvSpPr>
+          <p:spPr>
+            <a:xfrm>
+              <a:off x="6106251" y="6022725"/>
               <a:ext cx="145298" cy="95547"/>
             </a:xfrm>
             <a:prstGeom prst="rect">
@@ -5476,13 +5642,13 @@
         </p:sp>
         <p:sp>
           <p:nvSpPr>
-            <p:cNvPr id="83" name="tx83"/>
-            <p:cNvSpPr/>
-            <p:nvPr/>
-          </p:nvSpPr>
-          <p:spPr>
-            <a:xfrm>
-              <a:off x="6959219" y="6022725"/>
+            <p:cNvPr id="87" name="tx87"/>
+            <p:cNvSpPr/>
+            <p:nvPr/>
+          </p:nvSpPr>
+          <p:spPr>
+            <a:xfrm>
+              <a:off x="6481557" y="6022725"/>
               <a:ext cx="145298" cy="95547"/>
             </a:xfrm>
             <a:prstGeom prst="rect">
@@ -5522,13 +5688,13 @@
         </p:sp>
         <p:sp>
           <p:nvSpPr>
-            <p:cNvPr id="84" name="tx84"/>
-            <p:cNvSpPr/>
-            <p:nvPr/>
-          </p:nvSpPr>
-          <p:spPr>
-            <a:xfrm>
-              <a:off x="7402763" y="6022788"/>
+            <p:cNvPr id="88" name="tx88"/>
+            <p:cNvSpPr/>
+            <p:nvPr/>
+          </p:nvSpPr>
+          <p:spPr>
+            <a:xfrm>
+              <a:off x="6856863" y="6022788"/>
               <a:ext cx="145298" cy="95483"/>
             </a:xfrm>
             <a:prstGeom prst="rect">
@@ -5568,13 +5734,13 @@
         </p:sp>
         <p:sp>
           <p:nvSpPr>
-            <p:cNvPr id="85" name="tx85"/>
-            <p:cNvSpPr/>
-            <p:nvPr/>
-          </p:nvSpPr>
-          <p:spPr>
-            <a:xfrm>
-              <a:off x="7846307" y="6023171"/>
+            <p:cNvPr id="89" name="tx89"/>
+            <p:cNvSpPr/>
+            <p:nvPr/>
+          </p:nvSpPr>
+          <p:spPr>
+            <a:xfrm>
+              <a:off x="7232169" y="6023171"/>
               <a:ext cx="145298" cy="95101"/>
             </a:xfrm>
             <a:prstGeom prst="rect">
@@ -5614,13 +5780,13 @@
         </p:sp>
         <p:sp>
           <p:nvSpPr>
-            <p:cNvPr id="86" name="tx86"/>
-            <p:cNvSpPr/>
-            <p:nvPr/>
-          </p:nvSpPr>
-          <p:spPr>
-            <a:xfrm>
-              <a:off x="8289850" y="6022788"/>
+            <p:cNvPr id="90" name="tx90"/>
+            <p:cNvSpPr/>
+            <p:nvPr/>
+          </p:nvSpPr>
+          <p:spPr>
+            <a:xfrm>
+              <a:off x="7607475" y="6022788"/>
               <a:ext cx="145298" cy="95483"/>
             </a:xfrm>
             <a:prstGeom prst="rect">
@@ -5660,7 +5826,99 @@
         </p:sp>
         <p:sp>
           <p:nvSpPr>
-            <p:cNvPr id="87" name="tx87"/>
+            <p:cNvPr id="91" name="tx91"/>
+            <p:cNvSpPr/>
+            <p:nvPr/>
+          </p:nvSpPr>
+          <p:spPr>
+            <a:xfrm>
+              <a:off x="7982782" y="6024447"/>
+              <a:ext cx="145298" cy="93825"/>
+            </a:xfrm>
+            <a:prstGeom prst="rect">
+              <a:avLst/>
+            </a:prstGeom>
+            <a:noFill/>
+          </p:spPr>
+          <p:txBody>
+            <a:bodyPr lIns="0" rIns="0" tIns="0" bIns="0" anchorCtr="1" anchor="ctr" wrap="none"/>
+            <a:lstStyle/>
+            <a:p>
+              <a:pPr algn="l" marL="0" marR="0" indent="0">
+                <a:lnSpc>
+                  <a:spcPts val="1028"/>
+                </a:lnSpc>
+                <a:spcBef>
+                  <a:spcPts val="0"/>
+                </a:spcBef>
+                <a:spcAft>
+                  <a:spcPts val="0"/>
+                </a:spcAft>
+              </a:pPr>
+              <a:r>
+                <a:rPr sz="1028">
+                  <a:solidFill>
+                    <a:srgbClr val="000000">
+                      <a:alpha val="100000"/>
+                    </a:srgbClr>
+                  </a:solidFill>
+                  <a:latin typeface="Arial"/>
+                  <a:cs typeface="Arial"/>
+                </a:rPr>
+                <a:t>55</a:t>
+              </a:r>
+            </a:p>
+          </p:txBody>
+        </p:sp>
+        <p:sp>
+          <p:nvSpPr>
+            <p:cNvPr id="92" name="tx92"/>
+            <p:cNvSpPr/>
+            <p:nvPr/>
+          </p:nvSpPr>
+          <p:spPr>
+            <a:xfrm>
+              <a:off x="8358088" y="6022788"/>
+              <a:ext cx="145298" cy="95483"/>
+            </a:xfrm>
+            <a:prstGeom prst="rect">
+              <a:avLst/>
+            </a:prstGeom>
+            <a:noFill/>
+          </p:spPr>
+          <p:txBody>
+            <a:bodyPr lIns="0" rIns="0" tIns="0" bIns="0" anchorCtr="1" anchor="ctr" wrap="none"/>
+            <a:lstStyle/>
+            <a:p>
+              <a:pPr algn="l" marL="0" marR="0" indent="0">
+                <a:lnSpc>
+                  <a:spcPts val="1028"/>
+                </a:lnSpc>
+                <a:spcBef>
+                  <a:spcPts val="0"/>
+                </a:spcBef>
+                <a:spcAft>
+                  <a:spcPts val="0"/>
+                </a:spcAft>
+              </a:pPr>
+              <a:r>
+                <a:rPr sz="1028">
+                  <a:solidFill>
+                    <a:srgbClr val="000000">
+                      <a:alpha val="100000"/>
+                    </a:srgbClr>
+                  </a:solidFill>
+                  <a:latin typeface="Arial"/>
+                  <a:cs typeface="Arial"/>
+                </a:rPr>
+                <a:t>60</a:t>
+              </a:r>
+            </a:p>
+          </p:txBody>
+        </p:sp>
+        <p:sp>
+          <p:nvSpPr>
+            <p:cNvPr id="93" name="tx93"/>
             <p:cNvSpPr/>
             <p:nvPr/>
           </p:nvSpPr>
@@ -5706,14 +5964,14 @@
         </p:sp>
         <p:sp>
           <p:nvSpPr>
-            <p:cNvPr id="88" name="tx88"/>
+            <p:cNvPr id="94" name="tx94"/>
             <p:cNvSpPr/>
             <p:nvPr/>
           </p:nvSpPr>
           <p:spPr>
             <a:xfrm>
               <a:off x="3927063" y="951534"/>
-              <a:ext cx="3827774" cy="163455"/>
+              <a:ext cx="2453537" cy="163455"/>
             </a:xfrm>
             <a:prstGeom prst="rect">
               <a:avLst/>
@@ -5745,99 +6003,7 @@
                   <a:latin typeface="Arial"/>
                   <a:cs typeface="Arial"/>
                 </a:rPr>
-                <a:t>Reported diagnoses (N = 168). One participant</a:t>
-              </a:r>
-            </a:p>
-          </p:txBody>
-        </p:sp>
-        <p:sp>
-          <p:nvSpPr>
-            <p:cNvPr id="89" name="tx89"/>
-            <p:cNvSpPr/>
-            <p:nvPr/>
-          </p:nvSpPr>
-          <p:spPr>
-            <a:xfrm>
-              <a:off x="3927063" y="1141766"/>
-              <a:ext cx="3948792" cy="161329"/>
-            </a:xfrm>
-            <a:prstGeom prst="rect">
-              <a:avLst/>
-            </a:prstGeom>
-            <a:noFill/>
-          </p:spPr>
-          <p:txBody>
-            <a:bodyPr lIns="0" rIns="0" tIns="0" bIns="0" anchorCtr="1" anchor="ctr" wrap="none"/>
-            <a:lstStyle/>
-            <a:p>
-              <a:pPr algn="l" marL="0" marR="0" indent="0">
-                <a:lnSpc>
-                  <a:spcPts val="1371"/>
-                </a:lnSpc>
-                <a:spcBef>
-                  <a:spcPts val="0"/>
-                </a:spcBef>
-                <a:spcAft>
-                  <a:spcPts val="0"/>
-                </a:spcAft>
-              </a:pPr>
-              <a:r>
-                <a:rPr sz="1371" b="1">
-                  <a:solidFill>
-                    <a:srgbClr val="000000">
-                      <a:alpha val="100000"/>
-                    </a:srgbClr>
-                  </a:solidFill>
-                  <a:latin typeface="Arial"/>
-                  <a:cs typeface="Arial"/>
-                </a:rPr>
-                <a:t>could have indicated multiple diagnoses, hence</a:t>
-              </a:r>
-            </a:p>
-          </p:txBody>
-        </p:sp>
-        <p:sp>
-          <p:nvSpPr>
-            <p:cNvPr id="90" name="tx90"/>
-            <p:cNvSpPr/>
-            <p:nvPr/>
-          </p:nvSpPr>
-          <p:spPr>
-            <a:xfrm>
-              <a:off x="3927063" y="1332167"/>
-              <a:ext cx="4190829" cy="159033"/>
-            </a:xfrm>
-            <a:prstGeom prst="rect">
-              <a:avLst/>
-            </a:prstGeom>
-            <a:noFill/>
-          </p:spPr>
-          <p:txBody>
-            <a:bodyPr lIns="0" rIns="0" tIns="0" bIns="0" anchorCtr="1" anchor="ctr" wrap="none"/>
-            <a:lstStyle/>
-            <a:p>
-              <a:pPr algn="l" marL="0" marR="0" indent="0">
-                <a:lnSpc>
-                  <a:spcPts val="1371"/>
-                </a:lnSpc>
-                <a:spcBef>
-                  <a:spcPts val="0"/>
-                </a:spcBef>
-                <a:spcAft>
-                  <a:spcPts val="0"/>
-                </a:spcAft>
-              </a:pPr>
-              <a:r>
-                <a:rPr sz="1371" b="1">
-                  <a:solidFill>
-                    <a:srgbClr val="000000">
-                      <a:alpha val="100000"/>
-                    </a:srgbClr>
-                  </a:solidFill>
-                  <a:latin typeface="Arial"/>
-                  <a:cs typeface="Arial"/>
-                </a:rPr>
-                <a:t>these numbers are not participants but responses.</a:t>
+                <a:t>Reported diagnoses (N = 168)</a:t>
               </a:r>
             </a:p>
           </p:txBody>

--- a/results/figures/pptx/reported_diagnoses.pptx
+++ b/results/figures/pptx/reported_diagnoses.pptx
@@ -2314,7 +2314,7 @@
           </p:nvSpPr>
           <p:spPr>
             <a:xfrm>
-              <a:off x="4302369" y="1227560"/>
+              <a:off x="4273500" y="1227560"/>
               <a:ext cx="0" cy="4726713"/>
             </a:xfrm>
             <a:custGeom>
@@ -2357,7 +2357,7 @@
           </p:nvSpPr>
           <p:spPr>
             <a:xfrm>
-              <a:off x="4677675" y="1227560"/>
+              <a:off x="4619936" y="1227560"/>
               <a:ext cx="0" cy="4726713"/>
             </a:xfrm>
             <a:custGeom>
@@ -2400,7 +2400,7 @@
           </p:nvSpPr>
           <p:spPr>
             <a:xfrm>
-              <a:off x="5052982" y="1227560"/>
+              <a:off x="4966372" y="1227560"/>
               <a:ext cx="0" cy="4726713"/>
             </a:xfrm>
             <a:custGeom>
@@ -2443,7 +2443,7 @@
           </p:nvSpPr>
           <p:spPr>
             <a:xfrm>
-              <a:off x="5428288" y="1227560"/>
+              <a:off x="5312809" y="1227560"/>
               <a:ext cx="0" cy="4726713"/>
             </a:xfrm>
             <a:custGeom>
@@ -2486,7 +2486,7 @@
           </p:nvSpPr>
           <p:spPr>
             <a:xfrm>
-              <a:off x="5803594" y="1227560"/>
+              <a:off x="5659245" y="1227560"/>
               <a:ext cx="0" cy="4726713"/>
             </a:xfrm>
             <a:custGeom>
@@ -2529,7 +2529,7 @@
           </p:nvSpPr>
           <p:spPr>
             <a:xfrm>
-              <a:off x="6178900" y="1227560"/>
+              <a:off x="6005682" y="1227560"/>
               <a:ext cx="0" cy="4726713"/>
             </a:xfrm>
             <a:custGeom>
@@ -2572,7 +2572,7 @@
           </p:nvSpPr>
           <p:spPr>
             <a:xfrm>
-              <a:off x="6554206" y="1227560"/>
+              <a:off x="6352118" y="1227560"/>
               <a:ext cx="0" cy="4726713"/>
             </a:xfrm>
             <a:custGeom>
@@ -2615,7 +2615,7 @@
           </p:nvSpPr>
           <p:spPr>
             <a:xfrm>
-              <a:off x="6929512" y="1227560"/>
+              <a:off x="6698555" y="1227560"/>
               <a:ext cx="0" cy="4726713"/>
             </a:xfrm>
             <a:custGeom>
@@ -2658,7 +2658,7 @@
           </p:nvSpPr>
           <p:spPr>
             <a:xfrm>
-              <a:off x="7304819" y="1227560"/>
+              <a:off x="7044991" y="1227560"/>
               <a:ext cx="0" cy="4726713"/>
             </a:xfrm>
             <a:custGeom>
@@ -2701,7 +2701,7 @@
           </p:nvSpPr>
           <p:spPr>
             <a:xfrm>
-              <a:off x="7680125" y="1227560"/>
+              <a:off x="7391428" y="1227560"/>
               <a:ext cx="0" cy="4726713"/>
             </a:xfrm>
             <a:custGeom>
@@ -2744,7 +2744,7 @@
           </p:nvSpPr>
           <p:spPr>
             <a:xfrm>
-              <a:off x="8055431" y="1227560"/>
+              <a:off x="7737864" y="1227560"/>
               <a:ext cx="0" cy="4726713"/>
             </a:xfrm>
             <a:custGeom>
@@ -2787,7 +2787,7 @@
           </p:nvSpPr>
           <p:spPr>
             <a:xfrm>
-              <a:off x="8430737" y="1227560"/>
+              <a:off x="8084301" y="1227560"/>
               <a:ext cx="0" cy="4726713"/>
             </a:xfrm>
             <a:custGeom>
@@ -2824,7 +2824,50 @@
         </p:sp>
         <p:sp>
           <p:nvSpPr>
-            <p:cNvPr id="17" name="rc17"/>
+            <p:cNvPr id="17" name="pl17"/>
+            <p:cNvSpPr/>
+            <p:nvPr/>
+          </p:nvSpPr>
+          <p:spPr>
+            <a:xfrm>
+              <a:off x="8430737" y="1227560"/>
+              <a:ext cx="0" cy="4726713"/>
+            </a:xfrm>
+            <a:custGeom>
+              <a:avLst/>
+              <a:pathLst>
+                <a:path w="0" h="4726713">
+                  <a:moveTo>
+                    <a:pt x="0" y="4726713"/>
+                  </a:moveTo>
+                  <a:lnTo>
+                    <a:pt x="0" y="0"/>
+                  </a:lnTo>
+                  <a:lnTo>
+                    <a:pt x="0" y="0"/>
+                  </a:lnTo>
+                </a:path>
+              </a:pathLst>
+            </a:custGeom>
+            <a:ln w="13550" cap="flat">
+              <a:solidFill>
+                <a:srgbClr val="D3D3D3">
+                  <a:alpha val="100000"/>
+                </a:srgbClr>
+              </a:solidFill>
+              <a:prstDash val="solid"/>
+              <a:round/>
+            </a:ln>
+          </p:spPr>
+          <p:txBody>
+            <a:bodyPr/>
+            <a:lstStyle/>
+            <a:p/>
+          </p:txBody>
+        </p:sp>
+        <p:sp>
+          <p:nvSpPr>
+            <p:cNvPr id="18" name="rc18"/>
             <p:cNvSpPr/>
             <p:nvPr/>
           </p:nvSpPr>
@@ -2850,14 +2893,14 @@
         </p:sp>
         <p:sp>
           <p:nvSpPr>
-            <p:cNvPr id="18" name="rc18"/>
-            <p:cNvSpPr/>
-            <p:nvPr/>
-          </p:nvSpPr>
-          <p:spPr>
-            <a:xfrm>
-              <a:off x="3927063" y="1673111"/>
-              <a:ext cx="2401959" cy="348691"/>
+            <p:cNvPr id="19" name="rc19"/>
+            <p:cNvSpPr/>
+            <p:nvPr/>
+          </p:nvSpPr>
+          <p:spPr>
+            <a:xfrm>
+              <a:off x="3927063" y="2060546"/>
+              <a:ext cx="2425055" cy="348691"/>
             </a:xfrm>
             <a:prstGeom prst="rect">
               <a:avLst/>
@@ -2876,14 +2919,14 @@
         </p:sp>
         <p:sp>
           <p:nvSpPr>
-            <p:cNvPr id="19" name="rc19"/>
-            <p:cNvSpPr/>
-            <p:nvPr/>
-          </p:nvSpPr>
-          <p:spPr>
-            <a:xfrm>
-              <a:off x="3927063" y="2060546"/>
-              <a:ext cx="2026653" cy="348691"/>
+            <p:cNvPr id="20" name="rc20"/>
+            <p:cNvSpPr/>
+            <p:nvPr/>
+          </p:nvSpPr>
+          <p:spPr>
+            <a:xfrm>
+              <a:off x="3927063" y="1673111"/>
+              <a:ext cx="2425055" cy="348691"/>
             </a:xfrm>
             <a:prstGeom prst="rect">
               <a:avLst/>
@@ -2902,14 +2945,14 @@
         </p:sp>
         <p:sp>
           <p:nvSpPr>
-            <p:cNvPr id="20" name="rc20"/>
+            <p:cNvPr id="21" name="rc21"/>
             <p:cNvSpPr/>
             <p:nvPr/>
           </p:nvSpPr>
           <p:spPr>
             <a:xfrm>
               <a:off x="3927063" y="2447982"/>
-              <a:ext cx="1651347" cy="348691"/>
+              <a:ext cx="2217193" cy="348691"/>
             </a:xfrm>
             <a:prstGeom prst="rect">
               <a:avLst/>
@@ -2928,14 +2971,14 @@
         </p:sp>
         <p:sp>
           <p:nvSpPr>
-            <p:cNvPr id="21" name="rc21"/>
+            <p:cNvPr id="22" name="rc22"/>
             <p:cNvSpPr/>
             <p:nvPr/>
           </p:nvSpPr>
           <p:spPr>
             <a:xfrm>
               <a:off x="3927063" y="2835417"/>
-              <a:ext cx="1125918" cy="348691"/>
+              <a:ext cx="1108596" cy="348691"/>
             </a:xfrm>
             <a:prstGeom prst="rect">
               <a:avLst/>
@@ -2954,14 +2997,14 @@
         </p:sp>
         <p:sp>
           <p:nvSpPr>
-            <p:cNvPr id="22" name="rc22"/>
-            <p:cNvSpPr/>
-            <p:nvPr/>
-          </p:nvSpPr>
-          <p:spPr>
-            <a:xfrm>
-              <a:off x="3927063" y="5547466"/>
-              <a:ext cx="750612" cy="348691"/>
+            <p:cNvPr id="23" name="rc23"/>
+            <p:cNvSpPr/>
+            <p:nvPr/>
+          </p:nvSpPr>
+          <p:spPr>
+            <a:xfrm>
+              <a:off x="3927063" y="3222853"/>
+              <a:ext cx="692872" cy="348691"/>
             </a:xfrm>
             <a:prstGeom prst="rect">
               <a:avLst/>
@@ -2980,14 +3023,14 @@
         </p:sp>
         <p:sp>
           <p:nvSpPr>
-            <p:cNvPr id="23" name="rc23"/>
-            <p:cNvSpPr/>
-            <p:nvPr/>
-          </p:nvSpPr>
-          <p:spPr>
-            <a:xfrm>
-              <a:off x="3927063" y="3222853"/>
-              <a:ext cx="600489" cy="348691"/>
+            <p:cNvPr id="24" name="rc24"/>
+            <p:cNvSpPr/>
+            <p:nvPr/>
+          </p:nvSpPr>
+          <p:spPr>
+            <a:xfrm>
+              <a:off x="3927063" y="3610288"/>
+              <a:ext cx="415723" cy="348691"/>
             </a:xfrm>
             <a:prstGeom prst="rect">
               <a:avLst/>
@@ -3006,14 +3049,14 @@
         </p:sp>
         <p:sp>
           <p:nvSpPr>
-            <p:cNvPr id="24" name="rc24"/>
-            <p:cNvSpPr/>
-            <p:nvPr/>
-          </p:nvSpPr>
-          <p:spPr>
-            <a:xfrm>
-              <a:off x="3927063" y="3610288"/>
-              <a:ext cx="525428" cy="348691"/>
+            <p:cNvPr id="25" name="rc25"/>
+            <p:cNvSpPr/>
+            <p:nvPr/>
+          </p:nvSpPr>
+          <p:spPr>
+            <a:xfrm>
+              <a:off x="3927063" y="3997724"/>
+              <a:ext cx="277149" cy="348691"/>
             </a:xfrm>
             <a:prstGeom prst="rect">
               <a:avLst/>
@@ -3032,14 +3075,14 @@
         </p:sp>
         <p:sp>
           <p:nvSpPr>
-            <p:cNvPr id="25" name="rc25"/>
-            <p:cNvSpPr/>
-            <p:nvPr/>
-          </p:nvSpPr>
-          <p:spPr>
-            <a:xfrm>
-              <a:off x="3927063" y="3997724"/>
-              <a:ext cx="450367" cy="348691"/>
+            <p:cNvPr id="26" name="rc26"/>
+            <p:cNvSpPr/>
+            <p:nvPr/>
+          </p:nvSpPr>
+          <p:spPr>
+            <a:xfrm>
+              <a:off x="3927063" y="5547466"/>
+              <a:ext cx="207861" cy="348691"/>
             </a:xfrm>
             <a:prstGeom prst="rect">
               <a:avLst/>
@@ -3058,14 +3101,14 @@
         </p:sp>
         <p:sp>
           <p:nvSpPr>
-            <p:cNvPr id="26" name="rc26"/>
-            <p:cNvSpPr/>
-            <p:nvPr/>
-          </p:nvSpPr>
-          <p:spPr>
-            <a:xfrm>
-              <a:off x="3927063" y="4385159"/>
-              <a:ext cx="300244" cy="348691"/>
+            <p:cNvPr id="27" name="rc27"/>
+            <p:cNvSpPr/>
+            <p:nvPr/>
+          </p:nvSpPr>
+          <p:spPr>
+            <a:xfrm>
+              <a:off x="3927063" y="4772595"/>
+              <a:ext cx="207861" cy="348691"/>
             </a:xfrm>
             <a:prstGeom prst="rect">
               <a:avLst/>
@@ -3084,14 +3127,14 @@
         </p:sp>
         <p:sp>
           <p:nvSpPr>
-            <p:cNvPr id="27" name="rc27"/>
-            <p:cNvSpPr/>
-            <p:nvPr/>
-          </p:nvSpPr>
-          <p:spPr>
-            <a:xfrm>
-              <a:off x="3927063" y="4772595"/>
-              <a:ext cx="225183" cy="348691"/>
+            <p:cNvPr id="28" name="rc28"/>
+            <p:cNvSpPr/>
+            <p:nvPr/>
+          </p:nvSpPr>
+          <p:spPr>
+            <a:xfrm>
+              <a:off x="3927063" y="4385159"/>
+              <a:ext cx="207861" cy="348691"/>
             </a:xfrm>
             <a:prstGeom prst="rect">
               <a:avLst/>
@@ -3110,14 +3153,14 @@
         </p:sp>
         <p:sp>
           <p:nvSpPr>
-            <p:cNvPr id="28" name="rc28"/>
+            <p:cNvPr id="29" name="rc29"/>
             <p:cNvSpPr/>
             <p:nvPr/>
           </p:nvSpPr>
           <p:spPr>
             <a:xfrm>
               <a:off x="3927063" y="5160030"/>
-              <a:ext cx="75061" cy="348691"/>
+              <a:ext cx="138574" cy="348691"/>
             </a:xfrm>
             <a:prstGeom prst="rect">
               <a:avLst/>
@@ -3136,7 +3179,7 @@
         </p:sp>
         <p:sp>
           <p:nvSpPr>
-            <p:cNvPr id="29" name="tx29"/>
+            <p:cNvPr id="30" name="tx30"/>
             <p:cNvSpPr/>
             <p:nvPr/>
           </p:nvSpPr>
@@ -3175,20 +3218,20 @@
                   <a:latin typeface="Arial"/>
                   <a:cs typeface="Arial"/>
                 </a:rPr>
-                <a:t>48 (29%)</a:t>
+                <a:t>52 (33%)</a:t>
               </a:r>
             </a:p>
           </p:txBody>
         </p:sp>
         <p:sp>
           <p:nvSpPr>
-            <p:cNvPr id="30" name="tx30"/>
-            <p:cNvSpPr/>
-            <p:nvPr/>
-          </p:nvSpPr>
-          <p:spPr>
-            <a:xfrm>
-              <a:off x="6475645" y="1763542"/>
+            <p:cNvPr id="31" name="tx31"/>
+            <p:cNvSpPr/>
+            <p:nvPr/>
+          </p:nvSpPr>
+          <p:spPr>
+            <a:xfrm>
+              <a:off x="6498740" y="2150977"/>
               <a:ext cx="586487" cy="135647"/>
             </a:xfrm>
             <a:prstGeom prst="rect">
@@ -3221,20 +3264,20 @@
                   <a:latin typeface="Arial"/>
                   <a:cs typeface="Arial"/>
                 </a:rPr>
-                <a:t>32 (19%)</a:t>
+                <a:t>35 (22%)</a:t>
               </a:r>
             </a:p>
           </p:txBody>
         </p:sp>
         <p:sp>
           <p:nvSpPr>
-            <p:cNvPr id="31" name="tx31"/>
-            <p:cNvSpPr/>
-            <p:nvPr/>
-          </p:nvSpPr>
-          <p:spPr>
-            <a:xfrm>
-              <a:off x="6100338" y="2150977"/>
+            <p:cNvPr id="32" name="tx32"/>
+            <p:cNvSpPr/>
+            <p:nvPr/>
+          </p:nvSpPr>
+          <p:spPr>
+            <a:xfrm>
+              <a:off x="6498740" y="1763542"/>
               <a:ext cx="586487" cy="135647"/>
             </a:xfrm>
             <a:prstGeom prst="rect">
@@ -3267,20 +3310,20 @@
                   <a:latin typeface="Arial"/>
                   <a:cs typeface="Arial"/>
                 </a:rPr>
-                <a:t>27 (16%)</a:t>
+                <a:t>35 (22%)</a:t>
               </a:r>
             </a:p>
           </p:txBody>
         </p:sp>
         <p:sp>
           <p:nvSpPr>
-            <p:cNvPr id="32" name="tx32"/>
-            <p:cNvSpPr/>
-            <p:nvPr/>
-          </p:nvSpPr>
-          <p:spPr>
-            <a:xfrm>
-              <a:off x="5725032" y="2538413"/>
+            <p:cNvPr id="33" name="tx33"/>
+            <p:cNvSpPr/>
+            <p:nvPr/>
+          </p:nvSpPr>
+          <p:spPr>
+            <a:xfrm>
+              <a:off x="6290878" y="2538413"/>
               <a:ext cx="586487" cy="135647"/>
             </a:xfrm>
             <a:prstGeom prst="rect">
@@ -3313,21 +3356,21 @@
                   <a:latin typeface="Arial"/>
                   <a:cs typeface="Arial"/>
                 </a:rPr>
-                <a:t>22 (13%)</a:t>
+                <a:t>32 (20%)</a:t>
               </a:r>
             </a:p>
           </p:txBody>
         </p:sp>
         <p:sp>
           <p:nvSpPr>
-            <p:cNvPr id="33" name="tx33"/>
-            <p:cNvSpPr/>
-            <p:nvPr/>
-          </p:nvSpPr>
-          <p:spPr>
-            <a:xfrm>
-              <a:off x="5179507" y="2925848"/>
-              <a:ext cx="506101" cy="135647"/>
+            <p:cNvPr id="34" name="tx34"/>
+            <p:cNvSpPr/>
+            <p:nvPr/>
+          </p:nvSpPr>
+          <p:spPr>
+            <a:xfrm>
+              <a:off x="5182282" y="2925848"/>
+              <a:ext cx="586487" cy="135647"/>
             </a:xfrm>
             <a:prstGeom prst="rect">
               <a:avLst/>
@@ -3359,20 +3402,20 @@
                   <a:latin typeface="Arial"/>
                   <a:cs typeface="Arial"/>
                 </a:rPr>
-                <a:t>15 (9%)</a:t>
+                <a:t>16 (10%)</a:t>
               </a:r>
             </a:p>
           </p:txBody>
         </p:sp>
         <p:sp>
           <p:nvSpPr>
-            <p:cNvPr id="34" name="tx34"/>
-            <p:cNvSpPr/>
-            <p:nvPr/>
-          </p:nvSpPr>
-          <p:spPr>
-            <a:xfrm>
-              <a:off x="4804201" y="5637897"/>
+            <p:cNvPr id="35" name="tx35"/>
+            <p:cNvSpPr/>
+            <p:nvPr/>
+          </p:nvSpPr>
+          <p:spPr>
+            <a:xfrm>
+              <a:off x="4746461" y="3313284"/>
               <a:ext cx="506101" cy="135647"/>
             </a:xfrm>
             <a:prstGeom prst="rect">
@@ -3412,105 +3455,13 @@
         </p:sp>
         <p:sp>
           <p:nvSpPr>
-            <p:cNvPr id="35" name="tx35"/>
-            <p:cNvSpPr/>
-            <p:nvPr/>
-          </p:nvSpPr>
-          <p:spPr>
-            <a:xfrm>
-              <a:off x="4633982" y="3313284"/>
-              <a:ext cx="425715" cy="135647"/>
-            </a:xfrm>
-            <a:prstGeom prst="rect">
-              <a:avLst/>
-            </a:prstGeom>
-            <a:noFill/>
-          </p:spPr>
-          <p:txBody>
-            <a:bodyPr lIns="0" rIns="0" tIns="0" bIns="0" anchorCtr="1" anchor="ctr" wrap="none"/>
-            <a:lstStyle/>
-            <a:p>
-              <a:pPr algn="l" marL="0" marR="0" indent="0">
-                <a:lnSpc>
-                  <a:spcPts val="1138"/>
-                </a:lnSpc>
-                <a:spcBef>
-                  <a:spcPts val="0"/>
-                </a:spcBef>
-                <a:spcAft>
-                  <a:spcPts val="0"/>
-                </a:spcAft>
-              </a:pPr>
-              <a:r>
-                <a:rPr sz="1138">
-                  <a:solidFill>
-                    <a:srgbClr val="000000">
-                      <a:alpha val="100000"/>
-                    </a:srgbClr>
-                  </a:solidFill>
-                  <a:latin typeface="Arial"/>
-                  <a:cs typeface="Arial"/>
-                </a:rPr>
-                <a:t>8 (5%)</a:t>
-              </a:r>
-            </a:p>
-          </p:txBody>
-        </p:sp>
-        <p:sp>
-          <p:nvSpPr>
             <p:cNvPr id="36" name="tx36"/>
             <p:cNvSpPr/>
             <p:nvPr/>
           </p:nvSpPr>
           <p:spPr>
             <a:xfrm>
-              <a:off x="4558921" y="3700719"/>
-              <a:ext cx="425715" cy="135647"/>
-            </a:xfrm>
-            <a:prstGeom prst="rect">
-              <a:avLst/>
-            </a:prstGeom>
-            <a:noFill/>
-          </p:spPr>
-          <p:txBody>
-            <a:bodyPr lIns="0" rIns="0" tIns="0" bIns="0" anchorCtr="1" anchor="ctr" wrap="none"/>
-            <a:lstStyle/>
-            <a:p>
-              <a:pPr algn="l" marL="0" marR="0" indent="0">
-                <a:lnSpc>
-                  <a:spcPts val="1138"/>
-                </a:lnSpc>
-                <a:spcBef>
-                  <a:spcPts val="0"/>
-                </a:spcBef>
-                <a:spcAft>
-                  <a:spcPts val="0"/>
-                </a:spcAft>
-              </a:pPr>
-              <a:r>
-                <a:rPr sz="1138">
-                  <a:solidFill>
-                    <a:srgbClr val="000000">
-                      <a:alpha val="100000"/>
-                    </a:srgbClr>
-                  </a:solidFill>
-                  <a:latin typeface="Arial"/>
-                  <a:cs typeface="Arial"/>
-                </a:rPr>
-                <a:t>7 (4%)</a:t>
-              </a:r>
-            </a:p>
-          </p:txBody>
-        </p:sp>
-        <p:sp>
-          <p:nvSpPr>
-            <p:cNvPr id="37" name="tx37"/>
-            <p:cNvSpPr/>
-            <p:nvPr/>
-          </p:nvSpPr>
-          <p:spPr>
-            <a:xfrm>
-              <a:off x="4483859" y="4088155"/>
+              <a:off x="4449216" y="3700719"/>
               <a:ext cx="425715" cy="135647"/>
             </a:xfrm>
             <a:prstGeom prst="rect">
@@ -3550,13 +3501,13 @@
         </p:sp>
         <p:sp>
           <p:nvSpPr>
-            <p:cNvPr id="38" name="tx38"/>
-            <p:cNvSpPr/>
-            <p:nvPr/>
-          </p:nvSpPr>
-          <p:spPr>
-            <a:xfrm>
-              <a:off x="4333737" y="4475590"/>
+            <p:cNvPr id="37" name="tx37"/>
+            <p:cNvSpPr/>
+            <p:nvPr/>
+          </p:nvSpPr>
+          <p:spPr>
+            <a:xfrm>
+              <a:off x="4310641" y="4088155"/>
               <a:ext cx="425715" cy="135647"/>
             </a:xfrm>
             <a:prstGeom prst="rect">
@@ -3589,20 +3540,20 @@
                   <a:latin typeface="Arial"/>
                   <a:cs typeface="Arial"/>
                 </a:rPr>
-                <a:t>4 (2%)</a:t>
+                <a:t>4 (3%)</a:t>
               </a:r>
             </a:p>
           </p:txBody>
         </p:sp>
         <p:sp>
           <p:nvSpPr>
-            <p:cNvPr id="39" name="tx39"/>
-            <p:cNvSpPr/>
-            <p:nvPr/>
-          </p:nvSpPr>
-          <p:spPr>
-            <a:xfrm>
-              <a:off x="4258676" y="4863026"/>
+            <p:cNvPr id="38" name="tx38"/>
+            <p:cNvSpPr/>
+            <p:nvPr/>
+          </p:nvSpPr>
+          <p:spPr>
+            <a:xfrm>
+              <a:off x="4241354" y="5637897"/>
               <a:ext cx="425715" cy="135647"/>
             </a:xfrm>
             <a:prstGeom prst="rect">
@@ -3642,13 +3593,13 @@
         </p:sp>
         <p:sp>
           <p:nvSpPr>
-            <p:cNvPr id="40" name="tx40"/>
-            <p:cNvSpPr/>
-            <p:nvPr/>
-          </p:nvSpPr>
-          <p:spPr>
-            <a:xfrm>
-              <a:off x="4108553" y="5250461"/>
+            <p:cNvPr id="39" name="tx39"/>
+            <p:cNvSpPr/>
+            <p:nvPr/>
+          </p:nvSpPr>
+          <p:spPr>
+            <a:xfrm>
+              <a:off x="4241354" y="4863026"/>
               <a:ext cx="425715" cy="135647"/>
             </a:xfrm>
             <a:prstGeom prst="rect">
@@ -3681,14 +3632,106 @@
                   <a:latin typeface="Arial"/>
                   <a:cs typeface="Arial"/>
                 </a:rPr>
-                <a:t>1 (1%)</a:t>
+                <a:t>3 (2%)</a:t>
               </a:r>
             </a:p>
           </p:txBody>
         </p:sp>
         <p:sp>
           <p:nvSpPr>
-            <p:cNvPr id="41" name="pl41"/>
+            <p:cNvPr id="40" name="tx40"/>
+            <p:cNvSpPr/>
+            <p:nvPr/>
+          </p:nvSpPr>
+          <p:spPr>
+            <a:xfrm>
+              <a:off x="4241354" y="4475590"/>
+              <a:ext cx="425715" cy="135647"/>
+            </a:xfrm>
+            <a:prstGeom prst="rect">
+              <a:avLst/>
+            </a:prstGeom>
+            <a:noFill/>
+          </p:spPr>
+          <p:txBody>
+            <a:bodyPr lIns="0" rIns="0" tIns="0" bIns="0" anchorCtr="1" anchor="ctr" wrap="none"/>
+            <a:lstStyle/>
+            <a:p>
+              <a:pPr algn="l" marL="0" marR="0" indent="0">
+                <a:lnSpc>
+                  <a:spcPts val="1138"/>
+                </a:lnSpc>
+                <a:spcBef>
+                  <a:spcPts val="0"/>
+                </a:spcBef>
+                <a:spcAft>
+                  <a:spcPts val="0"/>
+                </a:spcAft>
+              </a:pPr>
+              <a:r>
+                <a:rPr sz="1138">
+                  <a:solidFill>
+                    <a:srgbClr val="000000">
+                      <a:alpha val="100000"/>
+                    </a:srgbClr>
+                  </a:solidFill>
+                  <a:latin typeface="Arial"/>
+                  <a:cs typeface="Arial"/>
+                </a:rPr>
+                <a:t>3 (2%)</a:t>
+              </a:r>
+            </a:p>
+          </p:txBody>
+        </p:sp>
+        <p:sp>
+          <p:nvSpPr>
+            <p:cNvPr id="41" name="tx41"/>
+            <p:cNvSpPr/>
+            <p:nvPr/>
+          </p:nvSpPr>
+          <p:spPr>
+            <a:xfrm>
+              <a:off x="4172067" y="5250461"/>
+              <a:ext cx="425715" cy="135647"/>
+            </a:xfrm>
+            <a:prstGeom prst="rect">
+              <a:avLst/>
+            </a:prstGeom>
+            <a:noFill/>
+          </p:spPr>
+          <p:txBody>
+            <a:bodyPr lIns="0" rIns="0" tIns="0" bIns="0" anchorCtr="1" anchor="ctr" wrap="none"/>
+            <a:lstStyle/>
+            <a:p>
+              <a:pPr algn="l" marL="0" marR="0" indent="0">
+                <a:lnSpc>
+                  <a:spcPts val="1138"/>
+                </a:lnSpc>
+                <a:spcBef>
+                  <a:spcPts val="0"/>
+                </a:spcBef>
+                <a:spcAft>
+                  <a:spcPts val="0"/>
+                </a:spcAft>
+              </a:pPr>
+              <a:r>
+                <a:rPr sz="1138">
+                  <a:solidFill>
+                    <a:srgbClr val="000000">
+                      <a:alpha val="100000"/>
+                    </a:srgbClr>
+                  </a:solidFill>
+                  <a:latin typeface="Arial"/>
+                  <a:cs typeface="Arial"/>
+                </a:rPr>
+                <a:t>2 (1%)</a:t>
+              </a:r>
+            </a:p>
+          </p:txBody>
+        </p:sp>
+        <p:sp>
+          <p:nvSpPr>
+            <p:cNvPr id="42" name="pl42"/>
             <p:cNvSpPr/>
             <p:nvPr/>
           </p:nvSpPr>
@@ -3728,7 +3771,7 @@
         </p:sp>
         <p:sp>
           <p:nvSpPr>
-            <p:cNvPr id="42" name="tx42"/>
+            <p:cNvPr id="43" name="tx43"/>
             <p:cNvSpPr/>
             <p:nvPr/>
           </p:nvSpPr>
@@ -3774,13 +3817,105 @@
         </p:sp>
         <p:sp>
           <p:nvSpPr>
-            <p:cNvPr id="43" name="tx43"/>
-            <p:cNvSpPr/>
-            <p:nvPr/>
-          </p:nvSpPr>
-          <p:spPr>
-            <a:xfrm>
-              <a:off x="2310076" y="5260068"/>
+            <p:cNvPr id="44" name="tx44"/>
+            <p:cNvSpPr/>
+            <p:nvPr/>
+          </p:nvSpPr>
+          <p:spPr>
+            <a:xfrm>
+              <a:off x="712236" y="5258538"/>
+              <a:ext cx="3144334" cy="122591"/>
+            </a:xfrm>
+            <a:prstGeom prst="rect">
+              <a:avLst/>
+            </a:prstGeom>
+            <a:noFill/>
+          </p:spPr>
+          <p:txBody>
+            <a:bodyPr lIns="0" rIns="0" tIns="0" bIns="0" anchorCtr="1" anchor="ctr" wrap="none"/>
+            <a:lstStyle/>
+            <a:p>
+              <a:pPr algn="l" marL="0" marR="0" indent="0">
+                <a:lnSpc>
+                  <a:spcPts val="1028"/>
+                </a:lnSpc>
+                <a:spcBef>
+                  <a:spcPts val="0"/>
+                </a:spcBef>
+                <a:spcAft>
+                  <a:spcPts val="0"/>
+                </a:spcAft>
+              </a:pPr>
+              <a:r>
+                <a:rPr sz="1028">
+                  <a:solidFill>
+                    <a:srgbClr val="000000">
+                      <a:alpha val="100000"/>
+                    </a:srgbClr>
+                  </a:solidFill>
+                  <a:latin typeface="Arial"/>
+                  <a:cs typeface="Arial"/>
+                </a:rPr>
+                <a:t>Trouble psychotique dû à une autre affection médicale</a:t>
+              </a:r>
+            </a:p>
+          </p:txBody>
+        </p:sp>
+        <p:sp>
+          <p:nvSpPr>
+            <p:cNvPr id="45" name="tx45"/>
+            <p:cNvSpPr/>
+            <p:nvPr/>
+          </p:nvSpPr>
+          <p:spPr>
+            <a:xfrm>
+              <a:off x="2418699" y="4873717"/>
+              <a:ext cx="1437871" cy="119976"/>
+            </a:xfrm>
+            <a:prstGeom prst="rect">
+              <a:avLst/>
+            </a:prstGeom>
+            <a:noFill/>
+          </p:spPr>
+          <p:txBody>
+            <a:bodyPr lIns="0" rIns="0" tIns="0" bIns="0" anchorCtr="1" anchor="ctr" wrap="none"/>
+            <a:lstStyle/>
+            <a:p>
+              <a:pPr algn="l" marL="0" marR="0" indent="0">
+                <a:lnSpc>
+                  <a:spcPts val="1028"/>
+                </a:lnSpc>
+                <a:spcBef>
+                  <a:spcPts val="0"/>
+                </a:spcBef>
+                <a:spcAft>
+                  <a:spcPts val="0"/>
+                </a:spcAft>
+              </a:pPr>
+              <a:r>
+                <a:rPr sz="1028">
+                  <a:solidFill>
+                    <a:srgbClr val="000000">
+                      <a:alpha val="100000"/>
+                    </a:srgbClr>
+                  </a:solidFill>
+                  <a:latin typeface="Arial"/>
+                  <a:cs typeface="Arial"/>
+                </a:rPr>
+                <a:t>Je ne veux pas répondre</a:t>
+              </a:r>
+            </a:p>
+          </p:txBody>
+        </p:sp>
+        <p:sp>
+          <p:nvSpPr>
+            <p:cNvPr id="46" name="tx46"/>
+            <p:cNvSpPr/>
+            <p:nvPr/>
+          </p:nvSpPr>
+          <p:spPr>
+            <a:xfrm>
+              <a:off x="2310076" y="4485197"/>
               <a:ext cx="1546494" cy="121061"/>
             </a:xfrm>
             <a:prstGeom prst="rect">
@@ -3820,13 +3955,13 @@
         </p:sp>
         <p:sp>
           <p:nvSpPr>
-            <p:cNvPr id="44" name="tx44"/>
-            <p:cNvSpPr/>
-            <p:nvPr/>
-          </p:nvSpPr>
-          <p:spPr>
-            <a:xfrm>
-              <a:off x="2200879" y="4872186"/>
+            <p:cNvPr id="47" name="tx47"/>
+            <p:cNvSpPr/>
+            <p:nvPr/>
+          </p:nvSpPr>
+          <p:spPr>
+            <a:xfrm>
+              <a:off x="2200879" y="4097315"/>
               <a:ext cx="1655691" cy="121507"/>
             </a:xfrm>
             <a:prstGeom prst="rect">
@@ -3866,59 +4001,13 @@
         </p:sp>
         <p:sp>
           <p:nvSpPr>
-            <p:cNvPr id="45" name="tx45"/>
-            <p:cNvSpPr/>
-            <p:nvPr/>
-          </p:nvSpPr>
-          <p:spPr>
-            <a:xfrm>
-              <a:off x="712236" y="4483667"/>
-              <a:ext cx="3144334" cy="122591"/>
-            </a:xfrm>
-            <a:prstGeom prst="rect">
-              <a:avLst/>
-            </a:prstGeom>
-            <a:noFill/>
-          </p:spPr>
-          <p:txBody>
-            <a:bodyPr lIns="0" rIns="0" tIns="0" bIns="0" anchorCtr="1" anchor="ctr" wrap="none"/>
-            <a:lstStyle/>
-            <a:p>
-              <a:pPr algn="l" marL="0" marR="0" indent="0">
-                <a:lnSpc>
-                  <a:spcPts val="1028"/>
-                </a:lnSpc>
-                <a:spcBef>
-                  <a:spcPts val="0"/>
-                </a:spcBef>
-                <a:spcAft>
-                  <a:spcPts val="0"/>
-                </a:spcAft>
-              </a:pPr>
-              <a:r>
-                <a:rPr sz="1028">
-                  <a:solidFill>
-                    <a:srgbClr val="000000">
-                      <a:alpha val="100000"/>
-                    </a:srgbClr>
-                  </a:solidFill>
-                  <a:latin typeface="Arial"/>
-                  <a:cs typeface="Arial"/>
-                </a:rPr>
-                <a:t>Trouble psychotique dû à une autre affection médicale</a:t>
-              </a:r>
-            </a:p>
-          </p:txBody>
-        </p:sp>
-        <p:sp>
-          <p:nvSpPr>
-            <p:cNvPr id="46" name="tx46"/>
-            <p:cNvSpPr/>
-            <p:nvPr/>
-          </p:nvSpPr>
-          <p:spPr>
-            <a:xfrm>
-              <a:off x="2948931" y="4123275"/>
+            <p:cNvPr id="48" name="tx48"/>
+            <p:cNvSpPr/>
+            <p:nvPr/>
+          </p:nvSpPr>
+          <p:spPr>
+            <a:xfrm>
+              <a:off x="2948931" y="3735840"/>
               <a:ext cx="907638" cy="95547"/>
             </a:xfrm>
             <a:prstGeom prst="rect">
@@ -3958,53 +4047,7 @@
         </p:sp>
         <p:sp>
           <p:nvSpPr>
-            <p:cNvPr id="47" name="tx47"/>
-            <p:cNvSpPr/>
-            <p:nvPr/>
-          </p:nvSpPr>
-          <p:spPr>
-            <a:xfrm>
-              <a:off x="2418699" y="3711411"/>
-              <a:ext cx="1437871" cy="119976"/>
-            </a:xfrm>
-            <a:prstGeom prst="rect">
-              <a:avLst/>
-            </a:prstGeom>
-            <a:noFill/>
-          </p:spPr>
-          <p:txBody>
-            <a:bodyPr lIns="0" rIns="0" tIns="0" bIns="0" anchorCtr="1" anchor="ctr" wrap="none"/>
-            <a:lstStyle/>
-            <a:p>
-              <a:pPr algn="l" marL="0" marR="0" indent="0">
-                <a:lnSpc>
-                  <a:spcPts val="1028"/>
-                </a:lnSpc>
-                <a:spcBef>
-                  <a:spcPts val="0"/>
-                </a:spcBef>
-                <a:spcAft>
-                  <a:spcPts val="0"/>
-                </a:spcAft>
-              </a:pPr>
-              <a:r>
-                <a:rPr sz="1028">
-                  <a:solidFill>
-                    <a:srgbClr val="000000">
-                      <a:alpha val="100000"/>
-                    </a:srgbClr>
-                  </a:solidFill>
-                  <a:latin typeface="Arial"/>
-                  <a:cs typeface="Arial"/>
-                </a:rPr>
-                <a:t>Je ne veux pas répondre</a:t>
-              </a:r>
-            </a:p>
-          </p:txBody>
-        </p:sp>
-        <p:sp>
-          <p:nvSpPr>
-            <p:cNvPr id="48" name="tx48"/>
+            <p:cNvPr id="49" name="tx49"/>
             <p:cNvSpPr/>
             <p:nvPr/>
           </p:nvSpPr>
@@ -4050,7 +4093,7 @@
         </p:sp>
         <p:sp>
           <p:nvSpPr>
-            <p:cNvPr id="49" name="tx49"/>
+            <p:cNvPr id="50" name="tx50"/>
             <p:cNvSpPr/>
             <p:nvPr/>
           </p:nvSpPr>
@@ -4096,13 +4139,105 @@
         </p:sp>
         <p:sp>
           <p:nvSpPr>
-            <p:cNvPr id="50" name="tx50"/>
-            <p:cNvSpPr/>
-            <p:nvPr/>
-          </p:nvSpPr>
-          <p:spPr>
-            <a:xfrm>
-              <a:off x="1946765" y="2546489"/>
+            <p:cNvPr id="51" name="tx51"/>
+            <p:cNvSpPr/>
+            <p:nvPr/>
+          </p:nvSpPr>
+          <p:spPr>
+            <a:xfrm>
+              <a:off x="2578796" y="2572449"/>
+              <a:ext cx="1277774" cy="96631"/>
+            </a:xfrm>
+            <a:prstGeom prst="rect">
+              <a:avLst/>
+            </a:prstGeom>
+            <a:noFill/>
+          </p:spPr>
+          <p:txBody>
+            <a:bodyPr lIns="0" rIns="0" tIns="0" bIns="0" anchorCtr="1" anchor="ctr" wrap="none"/>
+            <a:lstStyle/>
+            <a:p>
+              <a:pPr algn="l" marL="0" marR="0" indent="0">
+                <a:lnSpc>
+                  <a:spcPts val="1028"/>
+                </a:lnSpc>
+                <a:spcBef>
+                  <a:spcPts val="0"/>
+                </a:spcBef>
+                <a:spcAft>
+                  <a:spcPts val="0"/>
+                </a:spcAft>
+              </a:pPr>
+              <a:r>
+                <a:rPr sz="1028">
+                  <a:solidFill>
+                    <a:srgbClr val="000000">
+                      <a:alpha val="100000"/>
+                    </a:srgbClr>
+                  </a:solidFill>
+                  <a:latin typeface="Arial"/>
+                  <a:cs typeface="Arial"/>
+                </a:rPr>
+                <a:t>Trouble schizo-affectif</a:t>
+              </a:r>
+            </a:p>
+          </p:txBody>
+        </p:sp>
+        <p:sp>
+          <p:nvSpPr>
+            <p:cNvPr id="52" name="tx52"/>
+            <p:cNvSpPr/>
+            <p:nvPr/>
+          </p:nvSpPr>
+          <p:spPr>
+            <a:xfrm>
+              <a:off x="821497" y="2160138"/>
+              <a:ext cx="3035073" cy="121507"/>
+            </a:xfrm>
+            <a:prstGeom prst="rect">
+              <a:avLst/>
+            </a:prstGeom>
+            <a:noFill/>
+          </p:spPr>
+          <p:txBody>
+            <a:bodyPr lIns="0" rIns="0" tIns="0" bIns="0" anchorCtr="1" anchor="ctr" wrap="none"/>
+            <a:lstStyle/>
+            <a:p>
+              <a:pPr algn="l" marL="0" marR="0" indent="0">
+                <a:lnSpc>
+                  <a:spcPts val="1028"/>
+                </a:lnSpc>
+                <a:spcBef>
+                  <a:spcPts val="0"/>
+                </a:spcBef>
+                <a:spcAft>
+                  <a:spcPts val="0"/>
+                </a:spcAft>
+              </a:pPr>
+              <a:r>
+                <a:rPr sz="1028">
+                  <a:solidFill>
+                    <a:srgbClr val="000000">
+                      <a:alpha val="100000"/>
+                    </a:srgbClr>
+                  </a:solidFill>
+                  <a:latin typeface="Arial"/>
+                  <a:cs typeface="Arial"/>
+                </a:rPr>
+                <a:t>Trouble bipolaire avec caractéristiques psychotiques</a:t>
+              </a:r>
+            </a:p>
+          </p:txBody>
+        </p:sp>
+        <p:sp>
+          <p:nvSpPr>
+            <p:cNvPr id="53" name="tx53"/>
+            <p:cNvSpPr/>
+            <p:nvPr/>
+          </p:nvSpPr>
+          <p:spPr>
+            <a:xfrm>
+              <a:off x="1946765" y="1771618"/>
               <a:ext cx="1909805" cy="122591"/>
             </a:xfrm>
             <a:prstGeom prst="rect">
@@ -4142,99 +4277,7 @@
         </p:sp>
         <p:sp>
           <p:nvSpPr>
-            <p:cNvPr id="51" name="tx51"/>
-            <p:cNvSpPr/>
-            <p:nvPr/>
-          </p:nvSpPr>
-          <p:spPr>
-            <a:xfrm>
-              <a:off x="2578796" y="2185013"/>
-              <a:ext cx="1277774" cy="96631"/>
-            </a:xfrm>
-            <a:prstGeom prst="rect">
-              <a:avLst/>
-            </a:prstGeom>
-            <a:noFill/>
-          </p:spPr>
-          <p:txBody>
-            <a:bodyPr lIns="0" rIns="0" tIns="0" bIns="0" anchorCtr="1" anchor="ctr" wrap="none"/>
-            <a:lstStyle/>
-            <a:p>
-              <a:pPr algn="l" marL="0" marR="0" indent="0">
-                <a:lnSpc>
-                  <a:spcPts val="1028"/>
-                </a:lnSpc>
-                <a:spcBef>
-                  <a:spcPts val="0"/>
-                </a:spcBef>
-                <a:spcAft>
-                  <a:spcPts val="0"/>
-                </a:spcAft>
-              </a:pPr>
-              <a:r>
-                <a:rPr sz="1028">
-                  <a:solidFill>
-                    <a:srgbClr val="000000">
-                      <a:alpha val="100000"/>
-                    </a:srgbClr>
-                  </a:solidFill>
-                  <a:latin typeface="Arial"/>
-                  <a:cs typeface="Arial"/>
-                </a:rPr>
-                <a:t>Trouble schizo-affectif</a:t>
-              </a:r>
-            </a:p>
-          </p:txBody>
-        </p:sp>
-        <p:sp>
-          <p:nvSpPr>
-            <p:cNvPr id="52" name="tx52"/>
-            <p:cNvSpPr/>
-            <p:nvPr/>
-          </p:nvSpPr>
-          <p:spPr>
-            <a:xfrm>
-              <a:off x="821497" y="1772702"/>
-              <a:ext cx="3035073" cy="121507"/>
-            </a:xfrm>
-            <a:prstGeom prst="rect">
-              <a:avLst/>
-            </a:prstGeom>
-            <a:noFill/>
-          </p:spPr>
-          <p:txBody>
-            <a:bodyPr lIns="0" rIns="0" tIns="0" bIns="0" anchorCtr="1" anchor="ctr" wrap="none"/>
-            <a:lstStyle/>
-            <a:p>
-              <a:pPr algn="l" marL="0" marR="0" indent="0">
-                <a:lnSpc>
-                  <a:spcPts val="1028"/>
-                </a:lnSpc>
-                <a:spcBef>
-                  <a:spcPts val="0"/>
-                </a:spcBef>
-                <a:spcAft>
-                  <a:spcPts val="0"/>
-                </a:spcAft>
-              </a:pPr>
-              <a:r>
-                <a:rPr sz="1028">
-                  <a:solidFill>
-                    <a:srgbClr val="000000">
-                      <a:alpha val="100000"/>
-                    </a:srgbClr>
-                  </a:solidFill>
-                  <a:latin typeface="Arial"/>
-                  <a:cs typeface="Arial"/>
-                </a:rPr>
-                <a:t>Trouble bipolaire avec caractéristiques psychotiques</a:t>
-              </a:r>
-            </a:p>
-          </p:txBody>
-        </p:sp>
-        <p:sp>
-          <p:nvSpPr>
-            <p:cNvPr id="53" name="tx53"/>
+            <p:cNvPr id="54" name="tx54"/>
             <p:cNvSpPr/>
             <p:nvPr/>
           </p:nvSpPr>
@@ -4280,7 +4323,7 @@
         </p:sp>
         <p:sp>
           <p:nvSpPr>
-            <p:cNvPr id="54" name="pl54"/>
+            <p:cNvPr id="55" name="pl55"/>
             <p:cNvSpPr/>
             <p:nvPr/>
           </p:nvSpPr>
@@ -4320,7 +4363,7 @@
         </p:sp>
         <p:sp>
           <p:nvSpPr>
-            <p:cNvPr id="55" name="pl55"/>
+            <p:cNvPr id="56" name="pl56"/>
             <p:cNvSpPr/>
             <p:nvPr/>
           </p:nvSpPr>
@@ -4360,7 +4403,7 @@
         </p:sp>
         <p:sp>
           <p:nvSpPr>
-            <p:cNvPr id="56" name="pl56"/>
+            <p:cNvPr id="57" name="pl57"/>
             <p:cNvSpPr/>
             <p:nvPr/>
           </p:nvSpPr>
@@ -4400,7 +4443,7 @@
         </p:sp>
         <p:sp>
           <p:nvSpPr>
-            <p:cNvPr id="57" name="pl57"/>
+            <p:cNvPr id="58" name="pl58"/>
             <p:cNvSpPr/>
             <p:nvPr/>
           </p:nvSpPr>
@@ -4440,7 +4483,7 @@
         </p:sp>
         <p:sp>
           <p:nvSpPr>
-            <p:cNvPr id="58" name="pl58"/>
+            <p:cNvPr id="59" name="pl59"/>
             <p:cNvSpPr/>
             <p:nvPr/>
           </p:nvSpPr>
@@ -4480,7 +4523,7 @@
         </p:sp>
         <p:sp>
           <p:nvSpPr>
-            <p:cNvPr id="59" name="pl59"/>
+            <p:cNvPr id="60" name="pl60"/>
             <p:cNvSpPr/>
             <p:nvPr/>
           </p:nvSpPr>
@@ -4520,7 +4563,7 @@
         </p:sp>
         <p:sp>
           <p:nvSpPr>
-            <p:cNvPr id="60" name="pl60"/>
+            <p:cNvPr id="61" name="pl61"/>
             <p:cNvSpPr/>
             <p:nvPr/>
           </p:nvSpPr>
@@ -4560,7 +4603,7 @@
         </p:sp>
         <p:sp>
           <p:nvSpPr>
-            <p:cNvPr id="61" name="pl61"/>
+            <p:cNvPr id="62" name="pl62"/>
             <p:cNvSpPr/>
             <p:nvPr/>
           </p:nvSpPr>
@@ -4600,7 +4643,7 @@
         </p:sp>
         <p:sp>
           <p:nvSpPr>
-            <p:cNvPr id="62" name="pl62"/>
+            <p:cNvPr id="63" name="pl63"/>
             <p:cNvSpPr/>
             <p:nvPr/>
           </p:nvSpPr>
@@ -4640,7 +4683,7 @@
         </p:sp>
         <p:sp>
           <p:nvSpPr>
-            <p:cNvPr id="63" name="pl63"/>
+            <p:cNvPr id="64" name="pl64"/>
             <p:cNvSpPr/>
             <p:nvPr/>
           </p:nvSpPr>
@@ -4680,7 +4723,7 @@
         </p:sp>
         <p:sp>
           <p:nvSpPr>
-            <p:cNvPr id="64" name="pl64"/>
+            <p:cNvPr id="65" name="pl65"/>
             <p:cNvSpPr/>
             <p:nvPr/>
           </p:nvSpPr>
@@ -4720,7 +4763,7 @@
         </p:sp>
         <p:sp>
           <p:nvSpPr>
-            <p:cNvPr id="65" name="pl65"/>
+            <p:cNvPr id="66" name="pl66"/>
             <p:cNvSpPr/>
             <p:nvPr/>
           </p:nvSpPr>
@@ -4760,7 +4803,7 @@
         </p:sp>
         <p:sp>
           <p:nvSpPr>
-            <p:cNvPr id="66" name="pl66"/>
+            <p:cNvPr id="67" name="pl67"/>
             <p:cNvSpPr/>
             <p:nvPr/>
           </p:nvSpPr>
@@ -4800,7 +4843,7 @@
         </p:sp>
         <p:sp>
           <p:nvSpPr>
-            <p:cNvPr id="67" name="pl67"/>
+            <p:cNvPr id="68" name="pl68"/>
             <p:cNvSpPr/>
             <p:nvPr/>
           </p:nvSpPr>
@@ -4840,13 +4883,13 @@
         </p:sp>
         <p:sp>
           <p:nvSpPr>
-            <p:cNvPr id="68" name="pl68"/>
-            <p:cNvSpPr/>
-            <p:nvPr/>
-          </p:nvSpPr>
-          <p:spPr>
-            <a:xfrm>
-              <a:off x="4302369" y="5954273"/>
+            <p:cNvPr id="69" name="pl69"/>
+            <p:cNvSpPr/>
+            <p:nvPr/>
+          </p:nvSpPr>
+          <p:spPr>
+            <a:xfrm>
+              <a:off x="4273500" y="5954273"/>
               <a:ext cx="0" cy="37957"/>
             </a:xfrm>
             <a:custGeom>
@@ -4880,13 +4923,13 @@
         </p:sp>
         <p:sp>
           <p:nvSpPr>
-            <p:cNvPr id="69" name="pl69"/>
-            <p:cNvSpPr/>
-            <p:nvPr/>
-          </p:nvSpPr>
-          <p:spPr>
-            <a:xfrm>
-              <a:off x="4677675" y="5954273"/>
+            <p:cNvPr id="70" name="pl70"/>
+            <p:cNvSpPr/>
+            <p:nvPr/>
+          </p:nvSpPr>
+          <p:spPr>
+            <a:xfrm>
+              <a:off x="4619936" y="5954273"/>
               <a:ext cx="0" cy="37957"/>
             </a:xfrm>
             <a:custGeom>
@@ -4920,13 +4963,13 @@
         </p:sp>
         <p:sp>
           <p:nvSpPr>
-            <p:cNvPr id="70" name="pl70"/>
-            <p:cNvSpPr/>
-            <p:nvPr/>
-          </p:nvSpPr>
-          <p:spPr>
-            <a:xfrm>
-              <a:off x="5052982" y="5954273"/>
+            <p:cNvPr id="71" name="pl71"/>
+            <p:cNvSpPr/>
+            <p:nvPr/>
+          </p:nvSpPr>
+          <p:spPr>
+            <a:xfrm>
+              <a:off x="4966372" y="5954273"/>
               <a:ext cx="0" cy="37957"/>
             </a:xfrm>
             <a:custGeom>
@@ -4960,13 +5003,13 @@
         </p:sp>
         <p:sp>
           <p:nvSpPr>
-            <p:cNvPr id="71" name="pl71"/>
-            <p:cNvSpPr/>
-            <p:nvPr/>
-          </p:nvSpPr>
-          <p:spPr>
-            <a:xfrm>
-              <a:off x="5428288" y="5954273"/>
+            <p:cNvPr id="72" name="pl72"/>
+            <p:cNvSpPr/>
+            <p:nvPr/>
+          </p:nvSpPr>
+          <p:spPr>
+            <a:xfrm>
+              <a:off x="5312809" y="5954273"/>
               <a:ext cx="0" cy="37957"/>
             </a:xfrm>
             <a:custGeom>
@@ -5000,13 +5043,13 @@
         </p:sp>
         <p:sp>
           <p:nvSpPr>
-            <p:cNvPr id="72" name="pl72"/>
-            <p:cNvSpPr/>
-            <p:nvPr/>
-          </p:nvSpPr>
-          <p:spPr>
-            <a:xfrm>
-              <a:off x="5803594" y="5954273"/>
+            <p:cNvPr id="73" name="pl73"/>
+            <p:cNvSpPr/>
+            <p:nvPr/>
+          </p:nvSpPr>
+          <p:spPr>
+            <a:xfrm>
+              <a:off x="5659245" y="5954273"/>
               <a:ext cx="0" cy="37957"/>
             </a:xfrm>
             <a:custGeom>
@@ -5040,13 +5083,13 @@
         </p:sp>
         <p:sp>
           <p:nvSpPr>
-            <p:cNvPr id="73" name="pl73"/>
-            <p:cNvSpPr/>
-            <p:nvPr/>
-          </p:nvSpPr>
-          <p:spPr>
-            <a:xfrm>
-              <a:off x="6178900" y="5954273"/>
+            <p:cNvPr id="74" name="pl74"/>
+            <p:cNvSpPr/>
+            <p:nvPr/>
+          </p:nvSpPr>
+          <p:spPr>
+            <a:xfrm>
+              <a:off x="6005682" y="5954273"/>
               <a:ext cx="0" cy="37957"/>
             </a:xfrm>
             <a:custGeom>
@@ -5080,13 +5123,13 @@
         </p:sp>
         <p:sp>
           <p:nvSpPr>
-            <p:cNvPr id="74" name="pl74"/>
-            <p:cNvSpPr/>
-            <p:nvPr/>
-          </p:nvSpPr>
-          <p:spPr>
-            <a:xfrm>
-              <a:off x="6554206" y="5954273"/>
+            <p:cNvPr id="75" name="pl75"/>
+            <p:cNvSpPr/>
+            <p:nvPr/>
+          </p:nvSpPr>
+          <p:spPr>
+            <a:xfrm>
+              <a:off x="6352118" y="5954273"/>
               <a:ext cx="0" cy="37957"/>
             </a:xfrm>
             <a:custGeom>
@@ -5120,13 +5163,13 @@
         </p:sp>
         <p:sp>
           <p:nvSpPr>
-            <p:cNvPr id="75" name="pl75"/>
-            <p:cNvSpPr/>
-            <p:nvPr/>
-          </p:nvSpPr>
-          <p:spPr>
-            <a:xfrm>
-              <a:off x="6929512" y="5954273"/>
+            <p:cNvPr id="76" name="pl76"/>
+            <p:cNvSpPr/>
+            <p:nvPr/>
+          </p:nvSpPr>
+          <p:spPr>
+            <a:xfrm>
+              <a:off x="6698555" y="5954273"/>
               <a:ext cx="0" cy="37957"/>
             </a:xfrm>
             <a:custGeom>
@@ -5160,13 +5203,13 @@
         </p:sp>
         <p:sp>
           <p:nvSpPr>
-            <p:cNvPr id="76" name="pl76"/>
-            <p:cNvSpPr/>
-            <p:nvPr/>
-          </p:nvSpPr>
-          <p:spPr>
-            <a:xfrm>
-              <a:off x="7304819" y="5954273"/>
+            <p:cNvPr id="77" name="pl77"/>
+            <p:cNvSpPr/>
+            <p:nvPr/>
+          </p:nvSpPr>
+          <p:spPr>
+            <a:xfrm>
+              <a:off x="7044991" y="5954273"/>
               <a:ext cx="0" cy="37957"/>
             </a:xfrm>
             <a:custGeom>
@@ -5200,13 +5243,13 @@
         </p:sp>
         <p:sp>
           <p:nvSpPr>
-            <p:cNvPr id="77" name="pl77"/>
-            <p:cNvSpPr/>
-            <p:nvPr/>
-          </p:nvSpPr>
-          <p:spPr>
-            <a:xfrm>
-              <a:off x="7680125" y="5954273"/>
+            <p:cNvPr id="78" name="pl78"/>
+            <p:cNvSpPr/>
+            <p:nvPr/>
+          </p:nvSpPr>
+          <p:spPr>
+            <a:xfrm>
+              <a:off x="7391428" y="5954273"/>
               <a:ext cx="0" cy="37957"/>
             </a:xfrm>
             <a:custGeom>
@@ -5240,13 +5283,13 @@
         </p:sp>
         <p:sp>
           <p:nvSpPr>
-            <p:cNvPr id="78" name="pl78"/>
-            <p:cNvSpPr/>
-            <p:nvPr/>
-          </p:nvSpPr>
-          <p:spPr>
-            <a:xfrm>
-              <a:off x="8055431" y="5954273"/>
+            <p:cNvPr id="79" name="pl79"/>
+            <p:cNvSpPr/>
+            <p:nvPr/>
+          </p:nvSpPr>
+          <p:spPr>
+            <a:xfrm>
+              <a:off x="7737864" y="5954273"/>
               <a:ext cx="0" cy="37957"/>
             </a:xfrm>
             <a:custGeom>
@@ -5280,13 +5323,13 @@
         </p:sp>
         <p:sp>
           <p:nvSpPr>
-            <p:cNvPr id="79" name="pl79"/>
-            <p:cNvSpPr/>
-            <p:nvPr/>
-          </p:nvSpPr>
-          <p:spPr>
-            <a:xfrm>
-              <a:off x="8430737" y="5954273"/>
+            <p:cNvPr id="80" name="pl80"/>
+            <p:cNvSpPr/>
+            <p:nvPr/>
+          </p:nvSpPr>
+          <p:spPr>
+            <a:xfrm>
+              <a:off x="8084301" y="5954273"/>
               <a:ext cx="0" cy="37957"/>
             </a:xfrm>
             <a:custGeom>
@@ -5320,7 +5363,47 @@
         </p:sp>
         <p:sp>
           <p:nvSpPr>
-            <p:cNvPr id="80" name="tx80"/>
+            <p:cNvPr id="81" name="pl81"/>
+            <p:cNvSpPr/>
+            <p:nvPr/>
+          </p:nvSpPr>
+          <p:spPr>
+            <a:xfrm>
+              <a:off x="8430737" y="5954273"/>
+              <a:ext cx="0" cy="37957"/>
+            </a:xfrm>
+            <a:custGeom>
+              <a:avLst/>
+              <a:pathLst>
+                <a:path w="0" h="37957">
+                  <a:moveTo>
+                    <a:pt x="0" y="37957"/>
+                  </a:moveTo>
+                  <a:lnTo>
+                    <a:pt x="0" y="0"/>
+                  </a:lnTo>
+                </a:path>
+              </a:pathLst>
+            </a:custGeom>
+            <a:ln w="13550" cap="flat">
+              <a:solidFill>
+                <a:srgbClr val="000000">
+                  <a:alpha val="100000"/>
+                </a:srgbClr>
+              </a:solidFill>
+              <a:prstDash val="solid"/>
+              <a:round/>
+            </a:ln>
+          </p:spPr>
+          <p:txBody>
+            <a:bodyPr/>
+            <a:lstStyle/>
+            <a:p/>
+          </p:txBody>
+        </p:sp>
+        <p:sp>
+          <p:nvSpPr>
+            <p:cNvPr id="82" name="tx82"/>
             <p:cNvSpPr/>
             <p:nvPr/>
           </p:nvSpPr>
@@ -5366,13 +5449,13 @@
         </p:sp>
         <p:sp>
           <p:nvSpPr>
-            <p:cNvPr id="81" name="tx81"/>
-            <p:cNvSpPr/>
-            <p:nvPr/>
-          </p:nvSpPr>
-          <p:spPr>
-            <a:xfrm>
-              <a:off x="4266045" y="6024447"/>
+            <p:cNvPr id="83" name="tx83"/>
+            <p:cNvSpPr/>
+            <p:nvPr/>
+          </p:nvSpPr>
+          <p:spPr>
+            <a:xfrm>
+              <a:off x="4237175" y="6024447"/>
               <a:ext cx="72649" cy="93825"/>
             </a:xfrm>
             <a:prstGeom prst="rect">
@@ -5412,13 +5495,13 @@
         </p:sp>
         <p:sp>
           <p:nvSpPr>
-            <p:cNvPr id="82" name="tx82"/>
-            <p:cNvSpPr/>
-            <p:nvPr/>
-          </p:nvSpPr>
-          <p:spPr>
-            <a:xfrm>
-              <a:off x="4605026" y="6022788"/>
+            <p:cNvPr id="84" name="tx84"/>
+            <p:cNvSpPr/>
+            <p:nvPr/>
+          </p:nvSpPr>
+          <p:spPr>
+            <a:xfrm>
+              <a:off x="4547287" y="6022788"/>
               <a:ext cx="145298" cy="95483"/>
             </a:xfrm>
             <a:prstGeom prst="rect">
@@ -5458,13 +5541,13 @@
         </p:sp>
         <p:sp>
           <p:nvSpPr>
-            <p:cNvPr id="83" name="tx83"/>
-            <p:cNvSpPr/>
-            <p:nvPr/>
-          </p:nvSpPr>
-          <p:spPr>
-            <a:xfrm>
-              <a:off x="4980332" y="6022788"/>
+            <p:cNvPr id="85" name="tx85"/>
+            <p:cNvSpPr/>
+            <p:nvPr/>
+          </p:nvSpPr>
+          <p:spPr>
+            <a:xfrm>
+              <a:off x="4893723" y="6022788"/>
               <a:ext cx="145298" cy="95483"/>
             </a:xfrm>
             <a:prstGeom prst="rect">
@@ -5504,13 +5587,13 @@
         </p:sp>
         <p:sp>
           <p:nvSpPr>
-            <p:cNvPr id="84" name="tx84"/>
-            <p:cNvSpPr/>
-            <p:nvPr/>
-          </p:nvSpPr>
-          <p:spPr>
-            <a:xfrm>
-              <a:off x="5355638" y="6022788"/>
+            <p:cNvPr id="86" name="tx86"/>
+            <p:cNvSpPr/>
+            <p:nvPr/>
+          </p:nvSpPr>
+          <p:spPr>
+            <a:xfrm>
+              <a:off x="5240160" y="6022788"/>
               <a:ext cx="145298" cy="95483"/>
             </a:xfrm>
             <a:prstGeom prst="rect">
@@ -5550,13 +5633,13 @@
         </p:sp>
         <p:sp>
           <p:nvSpPr>
-            <p:cNvPr id="85" name="tx85"/>
-            <p:cNvSpPr/>
-            <p:nvPr/>
-          </p:nvSpPr>
-          <p:spPr>
-            <a:xfrm>
-              <a:off x="5730945" y="6022788"/>
+            <p:cNvPr id="87" name="tx87"/>
+            <p:cNvSpPr/>
+            <p:nvPr/>
+          </p:nvSpPr>
+          <p:spPr>
+            <a:xfrm>
+              <a:off x="5586596" y="6022788"/>
               <a:ext cx="145298" cy="95483"/>
             </a:xfrm>
             <a:prstGeom prst="rect">
@@ -5596,13 +5679,13 @@
         </p:sp>
         <p:sp>
           <p:nvSpPr>
-            <p:cNvPr id="86" name="tx86"/>
-            <p:cNvSpPr/>
-            <p:nvPr/>
-          </p:nvSpPr>
-          <p:spPr>
-            <a:xfrm>
-              <a:off x="6106251" y="6022725"/>
+            <p:cNvPr id="88" name="tx88"/>
+            <p:cNvSpPr/>
+            <p:nvPr/>
+          </p:nvSpPr>
+          <p:spPr>
+            <a:xfrm>
+              <a:off x="5933033" y="6022725"/>
               <a:ext cx="145298" cy="95547"/>
             </a:xfrm>
             <a:prstGeom prst="rect">
@@ -5642,13 +5725,13 @@
         </p:sp>
         <p:sp>
           <p:nvSpPr>
-            <p:cNvPr id="87" name="tx87"/>
-            <p:cNvSpPr/>
-            <p:nvPr/>
-          </p:nvSpPr>
-          <p:spPr>
-            <a:xfrm>
-              <a:off x="6481557" y="6022725"/>
+            <p:cNvPr id="89" name="tx89"/>
+            <p:cNvSpPr/>
+            <p:nvPr/>
+          </p:nvSpPr>
+          <p:spPr>
+            <a:xfrm>
+              <a:off x="6279469" y="6022725"/>
               <a:ext cx="145298" cy="95547"/>
             </a:xfrm>
             <a:prstGeom prst="rect">
@@ -5688,13 +5771,13 @@
         </p:sp>
         <p:sp>
           <p:nvSpPr>
-            <p:cNvPr id="88" name="tx88"/>
-            <p:cNvSpPr/>
-            <p:nvPr/>
-          </p:nvSpPr>
-          <p:spPr>
-            <a:xfrm>
-              <a:off x="6856863" y="6022788"/>
+            <p:cNvPr id="90" name="tx90"/>
+            <p:cNvSpPr/>
+            <p:nvPr/>
+          </p:nvSpPr>
+          <p:spPr>
+            <a:xfrm>
+              <a:off x="6625905" y="6022788"/>
               <a:ext cx="145298" cy="95483"/>
             </a:xfrm>
             <a:prstGeom prst="rect">
@@ -5734,13 +5817,13 @@
         </p:sp>
         <p:sp>
           <p:nvSpPr>
-            <p:cNvPr id="89" name="tx89"/>
-            <p:cNvSpPr/>
-            <p:nvPr/>
-          </p:nvSpPr>
-          <p:spPr>
-            <a:xfrm>
-              <a:off x="7232169" y="6023171"/>
+            <p:cNvPr id="91" name="tx91"/>
+            <p:cNvSpPr/>
+            <p:nvPr/>
+          </p:nvSpPr>
+          <p:spPr>
+            <a:xfrm>
+              <a:off x="6972342" y="6023171"/>
               <a:ext cx="145298" cy="95101"/>
             </a:xfrm>
             <a:prstGeom prst="rect">
@@ -5780,13 +5863,13 @@
         </p:sp>
         <p:sp>
           <p:nvSpPr>
-            <p:cNvPr id="90" name="tx90"/>
-            <p:cNvSpPr/>
-            <p:nvPr/>
-          </p:nvSpPr>
-          <p:spPr>
-            <a:xfrm>
-              <a:off x="7607475" y="6022788"/>
+            <p:cNvPr id="92" name="tx92"/>
+            <p:cNvSpPr/>
+            <p:nvPr/>
+          </p:nvSpPr>
+          <p:spPr>
+            <a:xfrm>
+              <a:off x="7318778" y="6022788"/>
               <a:ext cx="145298" cy="95483"/>
             </a:xfrm>
             <a:prstGeom prst="rect">
@@ -5826,13 +5909,13 @@
         </p:sp>
         <p:sp>
           <p:nvSpPr>
-            <p:cNvPr id="91" name="tx91"/>
-            <p:cNvSpPr/>
-            <p:nvPr/>
-          </p:nvSpPr>
-          <p:spPr>
-            <a:xfrm>
-              <a:off x="7982782" y="6024447"/>
+            <p:cNvPr id="93" name="tx93"/>
+            <p:cNvSpPr/>
+            <p:nvPr/>
+          </p:nvSpPr>
+          <p:spPr>
+            <a:xfrm>
+              <a:off x="7665215" y="6024447"/>
               <a:ext cx="145298" cy="93825"/>
             </a:xfrm>
             <a:prstGeom prst="rect">
@@ -5872,13 +5955,13 @@
         </p:sp>
         <p:sp>
           <p:nvSpPr>
-            <p:cNvPr id="92" name="tx92"/>
-            <p:cNvSpPr/>
-            <p:nvPr/>
-          </p:nvSpPr>
-          <p:spPr>
-            <a:xfrm>
-              <a:off x="8358088" y="6022788"/>
+            <p:cNvPr id="94" name="tx94"/>
+            <p:cNvSpPr/>
+            <p:nvPr/>
+          </p:nvSpPr>
+          <p:spPr>
+            <a:xfrm>
+              <a:off x="8011651" y="6022788"/>
               <a:ext cx="145298" cy="95483"/>
             </a:xfrm>
             <a:prstGeom prst="rect">
@@ -5918,7 +6001,53 @@
         </p:sp>
         <p:sp>
           <p:nvSpPr>
-            <p:cNvPr id="93" name="tx93"/>
+            <p:cNvPr id="95" name="tx95"/>
+            <p:cNvSpPr/>
+            <p:nvPr/>
+          </p:nvSpPr>
+          <p:spPr>
+            <a:xfrm>
+              <a:off x="8358088" y="6022788"/>
+              <a:ext cx="145298" cy="95483"/>
+            </a:xfrm>
+            <a:prstGeom prst="rect">
+              <a:avLst/>
+            </a:prstGeom>
+            <a:noFill/>
+          </p:spPr>
+          <p:txBody>
+            <a:bodyPr lIns="0" rIns="0" tIns="0" bIns="0" anchorCtr="1" anchor="ctr" wrap="none"/>
+            <a:lstStyle/>
+            <a:p>
+              <a:pPr algn="l" marL="0" marR="0" indent="0">
+                <a:lnSpc>
+                  <a:spcPts val="1028"/>
+                </a:lnSpc>
+                <a:spcBef>
+                  <a:spcPts val="0"/>
+                </a:spcBef>
+                <a:spcAft>
+                  <a:spcPts val="0"/>
+                </a:spcAft>
+              </a:pPr>
+              <a:r>
+                <a:rPr sz="1028">
+                  <a:solidFill>
+                    <a:srgbClr val="000000">
+                      <a:alpha val="100000"/>
+                    </a:srgbClr>
+                  </a:solidFill>
+                  <a:latin typeface="Arial"/>
+                  <a:cs typeface="Arial"/>
+                </a:rPr>
+                <a:t>65</a:t>
+              </a:r>
+            </a:p>
+          </p:txBody>
+        </p:sp>
+        <p:sp>
+          <p:nvSpPr>
+            <p:cNvPr id="96" name="tx96"/>
             <p:cNvSpPr/>
             <p:nvPr/>
           </p:nvSpPr>
@@ -5964,7 +6093,7 @@
         </p:sp>
         <p:sp>
           <p:nvSpPr>
-            <p:cNvPr id="94" name="tx94"/>
+            <p:cNvPr id="97" name="tx97"/>
             <p:cNvSpPr/>
             <p:nvPr/>
           </p:nvSpPr>
@@ -6003,7 +6132,7 @@
                   <a:latin typeface="Arial"/>
                   <a:cs typeface="Arial"/>
                 </a:rPr>
-                <a:t>Reported diagnoses (N = 168)</a:t>
+                <a:t>Reported diagnoses (N = 159)</a:t>
               </a:r>
             </a:p>
           </p:txBody>
